--- a/Consumer Goods Analysis - SQL project.pptx
+++ b/Consumer Goods Analysis - SQL project.pptx
@@ -13,16 +13,20 @@
     <p:sldId id="279" r:id="rId7"/>
     <p:sldId id="280" r:id="rId8"/>
     <p:sldId id="281" r:id="rId9"/>
-    <p:sldId id="282" r:id="rId10"/>
-    <p:sldId id="283" r:id="rId11"/>
-    <p:sldId id="286" r:id="rId12"/>
-    <p:sldId id="285" r:id="rId13"/>
-    <p:sldId id="284" r:id="rId14"/>
-    <p:sldId id="288" r:id="rId15"/>
-    <p:sldId id="287" r:id="rId16"/>
-    <p:sldId id="292" r:id="rId17"/>
-    <p:sldId id="293" r:id="rId18"/>
-    <p:sldId id="291" r:id="rId19"/>
+    <p:sldId id="298" r:id="rId10"/>
+    <p:sldId id="282" r:id="rId11"/>
+    <p:sldId id="283" r:id="rId12"/>
+    <p:sldId id="301" r:id="rId13"/>
+    <p:sldId id="286" r:id="rId14"/>
+    <p:sldId id="300" r:id="rId15"/>
+    <p:sldId id="285" r:id="rId16"/>
+    <p:sldId id="284" r:id="rId17"/>
+    <p:sldId id="288" r:id="rId18"/>
+    <p:sldId id="299" r:id="rId19"/>
+    <p:sldId id="287" r:id="rId20"/>
+    <p:sldId id="292" r:id="rId21"/>
+    <p:sldId id="293" r:id="rId22"/>
+    <p:sldId id="291" r:id="rId23"/>
   </p:sldIdLst>
   <p:sldSz cx="12192000" cy="6858000"/>
   <p:notesSz cx="6858000" cy="9144000"/>
@@ -290,7 +294,7 @@
           <a:p>
             <a:fld id="{1BDCC6EE-CA8B-4DE3-83BE-5C755E0F92FF}" type="datetimeFigureOut">
               <a:rPr lang="en-IN" smtClean="0"/>
-              <a:t>14-09-2024</a:t>
+              <a:t>23-09-2024</a:t>
             </a:fld>
             <a:endParaRPr lang="en-IN"/>
           </a:p>
@@ -490,7 +494,7 @@
           <a:p>
             <a:fld id="{1BDCC6EE-CA8B-4DE3-83BE-5C755E0F92FF}" type="datetimeFigureOut">
               <a:rPr lang="en-IN" smtClean="0"/>
-              <a:t>14-09-2024</a:t>
+              <a:t>23-09-2024</a:t>
             </a:fld>
             <a:endParaRPr lang="en-IN"/>
           </a:p>
@@ -700,7 +704,7 @@
           <a:p>
             <a:fld id="{1BDCC6EE-CA8B-4DE3-83BE-5C755E0F92FF}" type="datetimeFigureOut">
               <a:rPr lang="en-IN" smtClean="0"/>
-              <a:t>14-09-2024</a:t>
+              <a:t>23-09-2024</a:t>
             </a:fld>
             <a:endParaRPr lang="en-IN"/>
           </a:p>
@@ -900,7 +904,7 @@
           <a:p>
             <a:fld id="{1BDCC6EE-CA8B-4DE3-83BE-5C755E0F92FF}" type="datetimeFigureOut">
               <a:rPr lang="en-IN" smtClean="0"/>
-              <a:t>14-09-2024</a:t>
+              <a:t>23-09-2024</a:t>
             </a:fld>
             <a:endParaRPr lang="en-IN"/>
           </a:p>
@@ -1176,7 +1180,7 @@
           <a:p>
             <a:fld id="{1BDCC6EE-CA8B-4DE3-83BE-5C755E0F92FF}" type="datetimeFigureOut">
               <a:rPr lang="en-IN" smtClean="0"/>
-              <a:t>14-09-2024</a:t>
+              <a:t>23-09-2024</a:t>
             </a:fld>
             <a:endParaRPr lang="en-IN"/>
           </a:p>
@@ -1444,7 +1448,7 @@
           <a:p>
             <a:fld id="{1BDCC6EE-CA8B-4DE3-83BE-5C755E0F92FF}" type="datetimeFigureOut">
               <a:rPr lang="en-IN" smtClean="0"/>
-              <a:t>14-09-2024</a:t>
+              <a:t>23-09-2024</a:t>
             </a:fld>
             <a:endParaRPr lang="en-IN"/>
           </a:p>
@@ -1859,7 +1863,7 @@
           <a:p>
             <a:fld id="{1BDCC6EE-CA8B-4DE3-83BE-5C755E0F92FF}" type="datetimeFigureOut">
               <a:rPr lang="en-IN" smtClean="0"/>
-              <a:t>14-09-2024</a:t>
+              <a:t>23-09-2024</a:t>
             </a:fld>
             <a:endParaRPr lang="en-IN"/>
           </a:p>
@@ -2001,7 +2005,7 @@
           <a:p>
             <a:fld id="{1BDCC6EE-CA8B-4DE3-83BE-5C755E0F92FF}" type="datetimeFigureOut">
               <a:rPr lang="en-IN" smtClean="0"/>
-              <a:t>14-09-2024</a:t>
+              <a:t>23-09-2024</a:t>
             </a:fld>
             <a:endParaRPr lang="en-IN"/>
           </a:p>
@@ -2114,7 +2118,7 @@
           <a:p>
             <a:fld id="{1BDCC6EE-CA8B-4DE3-83BE-5C755E0F92FF}" type="datetimeFigureOut">
               <a:rPr lang="en-IN" smtClean="0"/>
-              <a:t>14-09-2024</a:t>
+              <a:t>23-09-2024</a:t>
             </a:fld>
             <a:endParaRPr lang="en-IN"/>
           </a:p>
@@ -2427,7 +2431,7 @@
           <a:p>
             <a:fld id="{1BDCC6EE-CA8B-4DE3-83BE-5C755E0F92FF}" type="datetimeFigureOut">
               <a:rPr lang="en-IN" smtClean="0"/>
-              <a:t>14-09-2024</a:t>
+              <a:t>23-09-2024</a:t>
             </a:fld>
             <a:endParaRPr lang="en-IN"/>
           </a:p>
@@ -2720,7 +2724,7 @@
           <a:p>
             <a:fld id="{1BDCC6EE-CA8B-4DE3-83BE-5C755E0F92FF}" type="datetimeFigureOut">
               <a:rPr lang="en-IN" smtClean="0"/>
-              <a:t>14-09-2024</a:t>
+              <a:t>23-09-2024</a:t>
             </a:fld>
             <a:endParaRPr lang="en-IN"/>
           </a:p>
@@ -2963,7 +2967,7 @@
           <a:p>
             <a:fld id="{1BDCC6EE-CA8B-4DE3-83BE-5C755E0F92FF}" type="datetimeFigureOut">
               <a:rPr lang="en-IN" smtClean="0"/>
-              <a:t>14-09-2024</a:t>
+              <a:t>23-09-2024</a:t>
             </a:fld>
             <a:endParaRPr lang="en-IN"/>
           </a:p>
@@ -3715,7 +3719,7 @@
         </p:nvSpPr>
         <p:spPr>
           <a:xfrm>
-            <a:off x="9477922" y="5048310"/>
+            <a:off x="9720631" y="5048309"/>
             <a:ext cx="1851851" cy="725840"/>
           </a:xfrm>
           <a:prstGeom prst="rect">
@@ -3960,8 +3964,8 @@
         </p:nvSpPr>
         <p:spPr>
           <a:xfrm>
-            <a:off x="1214781" y="414570"/>
-            <a:ext cx="9897219" cy="1200329"/>
+            <a:off x="1401272" y="375674"/>
+            <a:ext cx="9389456" cy="646331"/>
           </a:xfrm>
           <a:prstGeom prst="rect">
             <a:avLst/>
@@ -3976,21 +3980,14 @@
           <a:p>
             <a:r>
               <a:rPr lang="en-GB" b="1" dirty="0"/>
-              <a:t>Generate a report which contains the top 5 customers who received an average high pre invoice discount_pct for the fiscal year 202I and in the Indian market. The final output contains these fields</a:t>
+              <a:t>Get the products The final output that have the highest and lowest manufacturing costs</a:t>
             </a:r>
           </a:p>
           <a:p>
             <a:r>
               <a:rPr lang="en-GB" b="1" dirty="0"/>
-              <a:t>customer_code customer average_discount_percentage.</a:t>
-            </a:r>
-          </a:p>
-          <a:p>
-            <a:endParaRPr lang="en-GB" b="1" dirty="0">
-              <a:solidFill>
-                <a:schemeClr val="accent5"/>
-              </a:solidFill>
-            </a:endParaRPr>
+              <a:t>should contain these fields, product_code, product</a:t>
+            </a:r>
           </a:p>
         </p:txBody>
       </p:sp>
@@ -3999,7 +3996,7 @@
           <p:cNvPr id="8" name="Picture 7">
             <a:extLst>
               <a:ext uri="{FF2B5EF4-FFF2-40B4-BE49-F238E27FC236}">
-                <a16:creationId xmlns:a16="http://schemas.microsoft.com/office/drawing/2014/main" id="{0BBD9927-A530-4CC7-B397-8CA820B664CC}"/>
+                <a16:creationId xmlns:a16="http://schemas.microsoft.com/office/drawing/2014/main" id="{F7F2B9CF-DFC5-40BE-966B-FFA2AD14BB83}"/>
               </a:ext>
             </a:extLst>
           </p:cNvPr>
@@ -4022,8 +4019,8 @@
         </p:blipFill>
         <p:spPr>
           <a:xfrm>
-            <a:off x="7634890" y="4398264"/>
-            <a:ext cx="3477110" cy="1638529"/>
+            <a:off x="6312678" y="4988351"/>
+            <a:ext cx="5096586" cy="866896"/>
           </a:xfrm>
           <a:prstGeom prst="rect">
             <a:avLst/>
@@ -4035,7 +4032,7 @@
           <p:cNvPr id="6" name="Picture 5">
             <a:extLst>
               <a:ext uri="{FF2B5EF4-FFF2-40B4-BE49-F238E27FC236}">
-                <a16:creationId xmlns:a16="http://schemas.microsoft.com/office/drawing/2014/main" id="{ACFBF043-6D67-716F-E0B7-C58B0E2420B1}"/>
+                <a16:creationId xmlns:a16="http://schemas.microsoft.com/office/drawing/2014/main" id="{F0660736-11AE-3377-8AA9-670B906004F5}"/>
               </a:ext>
             </a:extLst>
           </p:cNvPr>
@@ -4058,8 +4055,8 @@
         </p:blipFill>
         <p:spPr>
           <a:xfrm>
-            <a:off x="1214782" y="1614899"/>
-            <a:ext cx="8038075" cy="2783365"/>
+            <a:off x="1080000" y="1624090"/>
+            <a:ext cx="9093639" cy="2909964"/>
           </a:xfrm>
           <a:prstGeom prst="rect">
             <a:avLst/>
@@ -4069,7 +4066,7 @@
     </p:spTree>
     <p:extLst>
       <p:ext uri="{BB962C8B-B14F-4D97-AF65-F5344CB8AC3E}">
-        <p14:creationId xmlns:p14="http://schemas.microsoft.com/office/powerpoint/2010/main" val="1867760483"/>
+        <p14:creationId xmlns:p14="http://schemas.microsoft.com/office/powerpoint/2010/main" val="3950097423"/>
       </p:ext>
     </p:extLst>
   </p:cSld>
@@ -4220,8 +4217,8 @@
         </p:nvSpPr>
         <p:spPr>
           <a:xfrm>
-            <a:off x="1320800" y="540000"/>
-            <a:ext cx="10595429" cy="1200329"/>
+            <a:off x="1214781" y="414570"/>
+            <a:ext cx="9897219" cy="1200329"/>
           </a:xfrm>
           <a:prstGeom prst="rect">
             <a:avLst/>
@@ -4236,13 +4233,13 @@
           <a:p>
             <a:r>
               <a:rPr lang="en-GB" b="1" dirty="0"/>
-              <a:t>Get the complete report of the Gross sales amount for the customer "Atliq Exclusive "for each month. This analysis helps to get an idea of low and high-performing months and take strategic decisions. The final</a:t>
+              <a:t>Generate a report which contains the top 5 customers who received an average high pre invoice discount_pct for the fiscal year 202I and in the Indian market. The final output contains these fields</a:t>
             </a:r>
           </a:p>
           <a:p>
             <a:r>
               <a:rPr lang="en-GB" b="1" dirty="0"/>
-              <a:t>report contains these columns: Month Year Gross sales Amount.</a:t>
+              <a:t>customer_code customer average_discount_percentage.</a:t>
             </a:r>
           </a:p>
           <a:p>
@@ -4259,7 +4256,7 @@
           <p:cNvPr id="8" name="Picture 7">
             <a:extLst>
               <a:ext uri="{FF2B5EF4-FFF2-40B4-BE49-F238E27FC236}">
-                <a16:creationId xmlns:a16="http://schemas.microsoft.com/office/drawing/2014/main" id="{FA313745-8B76-4CEC-AF5B-19A5535AB991}"/>
+                <a16:creationId xmlns:a16="http://schemas.microsoft.com/office/drawing/2014/main" id="{0BBD9927-A530-4CC7-B397-8CA820B664CC}"/>
               </a:ext>
             </a:extLst>
           </p:cNvPr>
@@ -4282,8 +4279,8 @@
         </p:blipFill>
         <p:spPr>
           <a:xfrm>
-            <a:off x="8315276" y="1874002"/>
-            <a:ext cx="3600953" cy="3639058"/>
+            <a:off x="7634890" y="4398264"/>
+            <a:ext cx="3477110" cy="1638529"/>
           </a:xfrm>
           <a:prstGeom prst="rect">
             <a:avLst/>
@@ -4292,10 +4289,10 @@
       </p:pic>
       <p:pic>
         <p:nvPicPr>
-          <p:cNvPr id="5" name="Picture 4">
-            <a:extLst>
-              <a:ext uri="{FF2B5EF4-FFF2-40B4-BE49-F238E27FC236}">
-                <a16:creationId xmlns:a16="http://schemas.microsoft.com/office/drawing/2014/main" id="{F6EBD2DD-69A4-C5EA-80BE-3D687F087A2D}"/>
+          <p:cNvPr id="6" name="Picture 5">
+            <a:extLst>
+              <a:ext uri="{FF2B5EF4-FFF2-40B4-BE49-F238E27FC236}">
+                <a16:creationId xmlns:a16="http://schemas.microsoft.com/office/drawing/2014/main" id="{ACFBF043-6D67-716F-E0B7-C58B0E2420B1}"/>
               </a:ext>
             </a:extLst>
           </p:cNvPr>
@@ -4318,8 +4315,8 @@
         </p:blipFill>
         <p:spPr>
           <a:xfrm>
-            <a:off x="1321875" y="1740329"/>
-            <a:ext cx="6993401" cy="3772731"/>
+            <a:off x="1214782" y="1614899"/>
+            <a:ext cx="8038075" cy="2783365"/>
           </a:xfrm>
           <a:prstGeom prst="rect">
             <a:avLst/>
@@ -4329,7 +4326,7 @@
     </p:spTree>
     <p:extLst>
       <p:ext uri="{BB962C8B-B14F-4D97-AF65-F5344CB8AC3E}">
-        <p14:creationId xmlns:p14="http://schemas.microsoft.com/office/powerpoint/2010/main" val="1373487114"/>
+        <p14:creationId xmlns:p14="http://schemas.microsoft.com/office/powerpoint/2010/main" val="1867760483"/>
       </p:ext>
     </p:extLst>
   </p:cSld>
@@ -4358,10 +4355,10 @@
       </p:grpSpPr>
       <p:pic>
         <p:nvPicPr>
-          <p:cNvPr id="3" name="Picture 2">
-            <a:extLst>
-              <a:ext uri="{FF2B5EF4-FFF2-40B4-BE49-F238E27FC236}">
-                <a16:creationId xmlns:a16="http://schemas.microsoft.com/office/drawing/2014/main" id="{4E606B63-109F-48F1-85F2-496E9BF2EDE1}"/>
+          <p:cNvPr id="2" name="Picture 1">
+            <a:extLst>
+              <a:ext uri="{FF2B5EF4-FFF2-40B4-BE49-F238E27FC236}">
+                <a16:creationId xmlns:a16="http://schemas.microsoft.com/office/drawing/2014/main" id="{3EDDA35B-7EF9-E23A-A81C-EDAF4489F04C}"/>
               </a:ext>
             </a:extLst>
           </p:cNvPr>
@@ -4394,10 +4391,10 @@
       </p:pic>
       <p:sp>
         <p:nvSpPr>
-          <p:cNvPr id="4" name="TextBox 3">
-            <a:extLst>
-              <a:ext uri="{FF2B5EF4-FFF2-40B4-BE49-F238E27FC236}">
-                <a16:creationId xmlns:a16="http://schemas.microsoft.com/office/drawing/2014/main" id="{EC90F760-FB28-46C0-BEE6-D9628C66C701}"/>
+          <p:cNvPr id="3" name="TextBox 2">
+            <a:extLst>
+              <a:ext uri="{FF2B5EF4-FFF2-40B4-BE49-F238E27FC236}">
+                <a16:creationId xmlns:a16="http://schemas.microsoft.com/office/drawing/2014/main" id="{87F68439-8DCF-6A01-D9A7-6652F2F10F4B}"/>
               </a:ext>
             </a:extLst>
           </p:cNvPr>
@@ -4406,8 +4403,8 @@
         </p:nvSpPr>
         <p:spPr>
           <a:xfrm>
-            <a:off x="101600" y="6412040"/>
-            <a:ext cx="2226365" cy="369332"/>
+            <a:off x="1214781" y="414570"/>
+            <a:ext cx="9897219" cy="1200329"/>
           </a:xfrm>
           <a:prstGeom prst="rect">
             <a:avLst/>
@@ -4421,82 +4418,14 @@
           <a:lstStyle/>
           <a:p>
             <a:r>
-              <a:rPr lang="en-IN" b="1" dirty="0">
-                <a:latin typeface="Avenir LT Pro 65 Medium" panose="020B0603020203020204" pitchFamily="34" charset="0"/>
-              </a:rPr>
-              <a:t>AtliQ Hardwares</a:t>
-            </a:r>
-          </a:p>
-        </p:txBody>
-      </p:sp>
-      <p:sp>
-        <p:nvSpPr>
-          <p:cNvPr id="7" name="TextBox 6">
-            <a:extLst>
-              <a:ext uri="{FF2B5EF4-FFF2-40B4-BE49-F238E27FC236}">
-                <a16:creationId xmlns:a16="http://schemas.microsoft.com/office/drawing/2014/main" id="{4C602EBE-EA42-4D3F-98F7-DE5853E1388B}"/>
-              </a:ext>
-            </a:extLst>
-          </p:cNvPr>
-          <p:cNvSpPr txBox="1"/>
-          <p:nvPr/>
-        </p:nvSpPr>
-        <p:spPr>
-          <a:xfrm>
-            <a:off x="9252857" y="6457332"/>
-            <a:ext cx="3540225" cy="338554"/>
-          </a:xfrm>
-          <a:prstGeom prst="rect">
-            <a:avLst/>
-          </a:prstGeom>
-          <a:noFill/>
-        </p:spPr>
-        <p:txBody>
-          <a:bodyPr wrap="square" rtlCol="0">
-            <a:spAutoFit/>
-          </a:bodyPr>
-          <a:lstStyle/>
-          <a:p>
-            <a:r>
-              <a:rPr lang="en-IN" sz="1600" dirty="0">
-                <a:latin typeface="Avenir LT Pro 65 Medium" panose="020B0603020203020204" pitchFamily="34" charset="0"/>
-              </a:rPr>
-              <a:t>Presented by Pranoy Roy</a:t>
-            </a:r>
-          </a:p>
-        </p:txBody>
-      </p:sp>
-      <p:sp>
-        <p:nvSpPr>
-          <p:cNvPr id="12" name="TextBox 11">
-            <a:extLst>
-              <a:ext uri="{FF2B5EF4-FFF2-40B4-BE49-F238E27FC236}">
-                <a16:creationId xmlns:a16="http://schemas.microsoft.com/office/drawing/2014/main" id="{1C8F2B6D-05D6-41FE-BF97-BFFB0A8034A0}"/>
-              </a:ext>
-            </a:extLst>
-          </p:cNvPr>
-          <p:cNvSpPr txBox="1"/>
-          <p:nvPr/>
-        </p:nvSpPr>
-        <p:spPr>
-          <a:xfrm>
-            <a:off x="1349136" y="395946"/>
-            <a:ext cx="9389456" cy="1200329"/>
-          </a:xfrm>
-          <a:prstGeom prst="rect">
-            <a:avLst/>
-          </a:prstGeom>
-          <a:noFill/>
-        </p:spPr>
-        <p:txBody>
-          <a:bodyPr wrap="square" rtlCol="0">
-            <a:spAutoFit/>
-          </a:bodyPr>
-          <a:lstStyle/>
-          <a:p>
-            <a:r>
               <a:rPr lang="en-GB" b="1" dirty="0"/>
-              <a:t>Which quarter of 2020, got the maximum total_sold_quantity? The final output contains these fields sorted by the total_sold_quantiy, Quarter, total_sold_quantity.</a:t>
+              <a:t>Generate a report which contains the top 5 customers who received an average high pre invoice discount_pct for the fiscal year 202I and in the Indian market. The final output contains these fields</a:t>
+            </a:r>
+          </a:p>
+          <a:p>
+            <a:r>
+              <a:rPr lang="en-GB" b="1" dirty="0"/>
+              <a:t>customer_code customer average_discount_percentage.</a:t>
             </a:r>
           </a:p>
           <a:p>
@@ -4506,21 +4435,88 @@
               </a:solidFill>
             </a:endParaRPr>
           </a:p>
-          <a:p>
-            <a:endParaRPr lang="en-GB" b="1" dirty="0">
-              <a:solidFill>
-                <a:schemeClr val="accent5"/>
-              </a:solidFill>
-            </a:endParaRPr>
+        </p:txBody>
+      </p:sp>
+      <p:sp>
+        <p:nvSpPr>
+          <p:cNvPr id="4" name="TextBox 3">
+            <a:extLst>
+              <a:ext uri="{FF2B5EF4-FFF2-40B4-BE49-F238E27FC236}">
+                <a16:creationId xmlns:a16="http://schemas.microsoft.com/office/drawing/2014/main" id="{40BA9B20-D232-4D4B-CF70-8E05C1D60F15}"/>
+              </a:ext>
+            </a:extLst>
+          </p:cNvPr>
+          <p:cNvSpPr txBox="1"/>
+          <p:nvPr/>
+        </p:nvSpPr>
+        <p:spPr>
+          <a:xfrm>
+            <a:off x="101600" y="6412040"/>
+            <a:ext cx="2226365" cy="369332"/>
+          </a:xfrm>
+          <a:prstGeom prst="rect">
+            <a:avLst/>
+          </a:prstGeom>
+          <a:noFill/>
+        </p:spPr>
+        <p:txBody>
+          <a:bodyPr wrap="square" rtlCol="0">
+            <a:spAutoFit/>
+          </a:bodyPr>
+          <a:lstStyle/>
+          <a:p>
+            <a:r>
+              <a:rPr lang="en-IN" b="1" dirty="0">
+                <a:latin typeface="Avenir LT Pro 65 Medium" panose="020B0603020203020204" pitchFamily="34" charset="0"/>
+              </a:rPr>
+              <a:t>AtliQ Hardwares</a:t>
+            </a:r>
+          </a:p>
+        </p:txBody>
+      </p:sp>
+      <p:sp>
+        <p:nvSpPr>
+          <p:cNvPr id="5" name="TextBox 4">
+            <a:extLst>
+              <a:ext uri="{FF2B5EF4-FFF2-40B4-BE49-F238E27FC236}">
+                <a16:creationId xmlns:a16="http://schemas.microsoft.com/office/drawing/2014/main" id="{38B5C12A-485C-9C53-F6EF-BA723066DD00}"/>
+              </a:ext>
+            </a:extLst>
+          </p:cNvPr>
+          <p:cNvSpPr txBox="1"/>
+          <p:nvPr/>
+        </p:nvSpPr>
+        <p:spPr>
+          <a:xfrm>
+            <a:off x="9252857" y="6457332"/>
+            <a:ext cx="3540225" cy="338554"/>
+          </a:xfrm>
+          <a:prstGeom prst="rect">
+            <a:avLst/>
+          </a:prstGeom>
+          <a:noFill/>
+        </p:spPr>
+        <p:txBody>
+          <a:bodyPr wrap="square" rtlCol="0">
+            <a:spAutoFit/>
+          </a:bodyPr>
+          <a:lstStyle/>
+          <a:p>
+            <a:r>
+              <a:rPr lang="en-IN" sz="1600" dirty="0">
+                <a:latin typeface="Avenir LT Pro 65 Medium" panose="020B0603020203020204" pitchFamily="34" charset="0"/>
+              </a:rPr>
+              <a:t>Presented by Pranoy Roy</a:t>
+            </a:r>
           </a:p>
         </p:txBody>
       </p:sp>
       <p:pic>
         <p:nvPicPr>
-          <p:cNvPr id="8" name="Picture 7">
-            <a:extLst>
-              <a:ext uri="{FF2B5EF4-FFF2-40B4-BE49-F238E27FC236}">
-                <a16:creationId xmlns:a16="http://schemas.microsoft.com/office/drawing/2014/main" id="{A5B6A03C-22F3-4DEC-94A8-27FA11E932B8}"/>
+          <p:cNvPr id="7" name="Picture 6" descr="A graph of blue bars&#10;&#10;Description automatically generated with medium confidence">
+            <a:extLst>
+              <a:ext uri="{FF2B5EF4-FFF2-40B4-BE49-F238E27FC236}">
+                <a16:creationId xmlns:a16="http://schemas.microsoft.com/office/drawing/2014/main" id="{E1B00266-48EB-FB79-91B8-A9BE0BB2A444}"/>
               </a:ext>
             </a:extLst>
           </p:cNvPr>
@@ -4543,44 +4539,8 @@
         </p:blipFill>
         <p:spPr>
           <a:xfrm>
-            <a:off x="8928194" y="4004850"/>
-            <a:ext cx="2581635" cy="1343212"/>
-          </a:xfrm>
-          <a:prstGeom prst="rect">
-            <a:avLst/>
-          </a:prstGeom>
-        </p:spPr>
-      </p:pic>
-      <p:pic>
-        <p:nvPicPr>
-          <p:cNvPr id="10" name="Picture 9">
-            <a:extLst>
-              <a:ext uri="{FF2B5EF4-FFF2-40B4-BE49-F238E27FC236}">
-                <a16:creationId xmlns:a16="http://schemas.microsoft.com/office/drawing/2014/main" id="{16179223-5D81-55C9-01BB-346081944DB7}"/>
-              </a:ext>
-            </a:extLst>
-          </p:cNvPr>
-          <p:cNvPicPr>
-            <a:picLocks noChangeAspect="1"/>
-          </p:cNvPicPr>
-          <p:nvPr/>
-        </p:nvPicPr>
-        <p:blipFill>
-          <a:blip r:embed="rId4">
-            <a:extLst>
-              <a:ext uri="{28A0092B-C50C-407E-A947-70E740481C1C}">
-                <a14:useLocalDpi xmlns:a14="http://schemas.microsoft.com/office/drawing/2010/main" val="0"/>
-              </a:ext>
-            </a:extLst>
-          </a:blip>
-          <a:stretch>
-            <a:fillRect/>
-          </a:stretch>
-        </p:blipFill>
-        <p:spPr>
-          <a:xfrm>
-            <a:off x="1453408" y="1390666"/>
-            <a:ext cx="6524401" cy="3957396"/>
+            <a:off x="1214781" y="1614899"/>
+            <a:ext cx="8038076" cy="4403764"/>
           </a:xfrm>
           <a:prstGeom prst="rect">
             <a:avLst/>
@@ -4590,7 +4550,7 @@
     </p:spTree>
     <p:extLst>
       <p:ext uri="{BB962C8B-B14F-4D97-AF65-F5344CB8AC3E}">
-        <p14:creationId xmlns:p14="http://schemas.microsoft.com/office/powerpoint/2010/main" val="2951436663"/>
+        <p14:creationId xmlns:p14="http://schemas.microsoft.com/office/powerpoint/2010/main" val="1182793582"/>
       </p:ext>
     </p:extLst>
   </p:cSld>
@@ -4741,8 +4701,8 @@
         </p:nvSpPr>
         <p:spPr>
           <a:xfrm>
-            <a:off x="1247315" y="380052"/>
-            <a:ext cx="9389456" cy="923330"/>
+            <a:off x="1320800" y="540000"/>
+            <a:ext cx="10595429" cy="1200329"/>
           </a:xfrm>
           <a:prstGeom prst="rect">
             <a:avLst/>
@@ -4757,7 +4717,13 @@
           <a:p>
             <a:r>
               <a:rPr lang="en-GB" b="1" dirty="0"/>
-              <a:t>Which channel helped to bring more gross sales in the fiscal year 2021 and the percentage of contribution? The final output contains these fields, channel gross sales min percentage.</a:t>
+              <a:t>Get the complete report of the Gross sales amount for the customer "Atliq Exclusive "for each month. This analysis helps to get an idea of low and high-performing months and take strategic decisions. The final</a:t>
+            </a:r>
+          </a:p>
+          <a:p>
+            <a:r>
+              <a:rPr lang="en-GB" b="1" dirty="0"/>
+              <a:t>report contains these columns: Month Year Gross sales Amount.</a:t>
             </a:r>
           </a:p>
           <a:p>
@@ -4774,7 +4740,7 @@
           <p:cNvPr id="8" name="Picture 7">
             <a:extLst>
               <a:ext uri="{FF2B5EF4-FFF2-40B4-BE49-F238E27FC236}">
-                <a16:creationId xmlns:a16="http://schemas.microsoft.com/office/drawing/2014/main" id="{A8662A25-3372-4B4B-8056-22F2B2A16211}"/>
+                <a16:creationId xmlns:a16="http://schemas.microsoft.com/office/drawing/2014/main" id="{FA313745-8B76-4CEC-AF5B-19A5535AB991}"/>
               </a:ext>
             </a:extLst>
           </p:cNvPr>
@@ -4797,8 +4763,8 @@
         </p:blipFill>
         <p:spPr>
           <a:xfrm>
-            <a:off x="8550288" y="4942807"/>
-            <a:ext cx="3162741" cy="1152686"/>
+            <a:off x="8315276" y="1874002"/>
+            <a:ext cx="3600953" cy="3639058"/>
           </a:xfrm>
           <a:prstGeom prst="rect">
             <a:avLst/>
@@ -4807,10 +4773,10 @@
       </p:pic>
       <p:pic>
         <p:nvPicPr>
-          <p:cNvPr id="6" name="Picture 5">
-            <a:extLst>
-              <a:ext uri="{FF2B5EF4-FFF2-40B4-BE49-F238E27FC236}">
-                <a16:creationId xmlns:a16="http://schemas.microsoft.com/office/drawing/2014/main" id="{AC2E7665-5F49-73B4-618C-4BEE0D01852D}"/>
+          <p:cNvPr id="5" name="Picture 4">
+            <a:extLst>
+              <a:ext uri="{FF2B5EF4-FFF2-40B4-BE49-F238E27FC236}">
+                <a16:creationId xmlns:a16="http://schemas.microsoft.com/office/drawing/2014/main" id="{F6EBD2DD-69A4-C5EA-80BE-3D687F087A2D}"/>
               </a:ext>
             </a:extLst>
           </p:cNvPr>
@@ -4833,8 +4799,8 @@
         </p:blipFill>
         <p:spPr>
           <a:xfrm>
-            <a:off x="1080000" y="1441839"/>
-            <a:ext cx="8326399" cy="3500968"/>
+            <a:off x="1321875" y="1740329"/>
+            <a:ext cx="6993401" cy="3772731"/>
           </a:xfrm>
           <a:prstGeom prst="rect">
             <a:avLst/>
@@ -4844,7 +4810,7 @@
     </p:spTree>
     <p:extLst>
       <p:ext uri="{BB962C8B-B14F-4D97-AF65-F5344CB8AC3E}">
-        <p14:creationId xmlns:p14="http://schemas.microsoft.com/office/powerpoint/2010/main" val="1056007418"/>
+        <p14:creationId xmlns:p14="http://schemas.microsoft.com/office/powerpoint/2010/main" val="1373487114"/>
       </p:ext>
     </p:extLst>
   </p:cSld>
@@ -4871,12 +4837,60 @@
           <a:chExt cx="0" cy="0"/>
         </a:xfrm>
       </p:grpSpPr>
+      <p:sp>
+        <p:nvSpPr>
+          <p:cNvPr id="2" name="TextBox 1">
+            <a:extLst>
+              <a:ext uri="{FF2B5EF4-FFF2-40B4-BE49-F238E27FC236}">
+                <a16:creationId xmlns:a16="http://schemas.microsoft.com/office/drawing/2014/main" id="{115A477C-DC4E-A5F8-6072-E9B108735679}"/>
+              </a:ext>
+            </a:extLst>
+          </p:cNvPr>
+          <p:cNvSpPr txBox="1"/>
+          <p:nvPr/>
+        </p:nvSpPr>
+        <p:spPr>
+          <a:xfrm>
+            <a:off x="1320800" y="540000"/>
+            <a:ext cx="10595429" cy="1200329"/>
+          </a:xfrm>
+          <a:prstGeom prst="rect">
+            <a:avLst/>
+          </a:prstGeom>
+          <a:noFill/>
+        </p:spPr>
+        <p:txBody>
+          <a:bodyPr wrap="square" rtlCol="0">
+            <a:spAutoFit/>
+          </a:bodyPr>
+          <a:lstStyle/>
+          <a:p>
+            <a:r>
+              <a:rPr lang="en-GB" b="1" dirty="0"/>
+              <a:t>Get the complete report of the Gross sales amount for the customer "Atliq Exclusive "for each month. This analysis helps to get an idea of low and high-performing months and take strategic decisions. The final</a:t>
+            </a:r>
+          </a:p>
+          <a:p>
+            <a:r>
+              <a:rPr lang="en-GB" b="1" dirty="0"/>
+              <a:t>report contains these columns: Month Year Gross sales Amount.</a:t>
+            </a:r>
+          </a:p>
+          <a:p>
+            <a:endParaRPr lang="en-GB" b="1" dirty="0">
+              <a:solidFill>
+                <a:schemeClr val="accent5"/>
+              </a:solidFill>
+            </a:endParaRPr>
+          </a:p>
+        </p:txBody>
+      </p:sp>
       <p:pic>
         <p:nvPicPr>
           <p:cNvPr id="3" name="Picture 2">
             <a:extLst>
               <a:ext uri="{FF2B5EF4-FFF2-40B4-BE49-F238E27FC236}">
-                <a16:creationId xmlns:a16="http://schemas.microsoft.com/office/drawing/2014/main" id="{4E606B63-109F-48F1-85F2-496E9BF2EDE1}"/>
+                <a16:creationId xmlns:a16="http://schemas.microsoft.com/office/drawing/2014/main" id="{C74E9AFC-1EEA-38B0-5759-EE407B3E6975}"/>
               </a:ext>
             </a:extLst>
           </p:cNvPr>
@@ -4912,7 +4926,7 @@
           <p:cNvPr id="4" name="TextBox 3">
             <a:extLst>
               <a:ext uri="{FF2B5EF4-FFF2-40B4-BE49-F238E27FC236}">
-                <a16:creationId xmlns:a16="http://schemas.microsoft.com/office/drawing/2014/main" id="{EC90F760-FB28-46C0-BEE6-D9628C66C701}"/>
+                <a16:creationId xmlns:a16="http://schemas.microsoft.com/office/drawing/2014/main" id="{651C0C22-690C-B763-13EC-048F12CD55F4}"/>
               </a:ext>
             </a:extLst>
           </p:cNvPr>
@@ -4946,10 +4960,10 @@
       </p:sp>
       <p:sp>
         <p:nvSpPr>
-          <p:cNvPr id="7" name="TextBox 6">
-            <a:extLst>
-              <a:ext uri="{FF2B5EF4-FFF2-40B4-BE49-F238E27FC236}">
-                <a16:creationId xmlns:a16="http://schemas.microsoft.com/office/drawing/2014/main" id="{4C602EBE-EA42-4D3F-98F7-DE5853E1388B}"/>
+          <p:cNvPr id="5" name="TextBox 4">
+            <a:extLst>
+              <a:ext uri="{FF2B5EF4-FFF2-40B4-BE49-F238E27FC236}">
+                <a16:creationId xmlns:a16="http://schemas.microsoft.com/office/drawing/2014/main" id="{9BFF028C-BECC-D156-211A-68163AC76711}"/>
               </a:ext>
             </a:extLst>
           </p:cNvPr>
@@ -4981,62 +4995,12 @@
           </a:p>
         </p:txBody>
       </p:sp>
-      <p:sp>
-        <p:nvSpPr>
-          <p:cNvPr id="12" name="TextBox 11">
-            <a:extLst>
-              <a:ext uri="{FF2B5EF4-FFF2-40B4-BE49-F238E27FC236}">
-                <a16:creationId xmlns:a16="http://schemas.microsoft.com/office/drawing/2014/main" id="{1C8F2B6D-05D6-41FE-BF97-BFFB0A8034A0}"/>
-              </a:ext>
-            </a:extLst>
-          </p:cNvPr>
-          <p:cNvSpPr txBox="1"/>
-          <p:nvPr/>
-        </p:nvSpPr>
-        <p:spPr>
-          <a:xfrm>
-            <a:off x="1080000" y="316729"/>
-            <a:ext cx="9389456" cy="923330"/>
-          </a:xfrm>
-          <a:prstGeom prst="rect">
-            <a:avLst/>
-          </a:prstGeom>
-          <a:noFill/>
-        </p:spPr>
-        <p:txBody>
-          <a:bodyPr wrap="square" rtlCol="0">
-            <a:spAutoFit/>
-          </a:bodyPr>
-          <a:lstStyle/>
-          <a:p>
-            <a:r>
-              <a:rPr lang="en-GB" b="1" dirty="0"/>
-              <a:t>Get the Top 3 products in each division that have a high total_sold_quantity in the </a:t>
-            </a:r>
-            <a:r>
-              <a:rPr lang="en-GB" b="1" dirty="0" err="1"/>
-              <a:t>fiscal_year</a:t>
-            </a:r>
-            <a:r>
-              <a:rPr lang="en-GB" b="1" dirty="0"/>
-              <a:t> 2021? The final output contains these fields, division product_code.</a:t>
-            </a:r>
-          </a:p>
-          <a:p>
-            <a:endParaRPr lang="en-GB" b="1" dirty="0">
-              <a:solidFill>
-                <a:schemeClr val="accent5"/>
-              </a:solidFill>
-            </a:endParaRPr>
-          </a:p>
-        </p:txBody>
-      </p:sp>
       <p:pic>
         <p:nvPicPr>
-          <p:cNvPr id="13" name="Picture 12">
-            <a:extLst>
-              <a:ext uri="{FF2B5EF4-FFF2-40B4-BE49-F238E27FC236}">
-                <a16:creationId xmlns:a16="http://schemas.microsoft.com/office/drawing/2014/main" id="{80C1C908-C7CC-42E1-AD53-35871EED0862}"/>
+          <p:cNvPr id="7" name="Picture 6" descr="A graph with orange line&#10;&#10;Description automatically generated">
+            <a:extLst>
+              <a:ext uri="{FF2B5EF4-FFF2-40B4-BE49-F238E27FC236}">
+                <a16:creationId xmlns:a16="http://schemas.microsoft.com/office/drawing/2014/main" id="{2F7051AA-C442-33BB-8B14-90B2EBDCEA2F}"/>
               </a:ext>
             </a:extLst>
           </p:cNvPr>
@@ -5059,44 +5023,8 @@
         </p:blipFill>
         <p:spPr>
           <a:xfrm>
-            <a:off x="6798365" y="3153774"/>
-            <a:ext cx="5251061" cy="2753109"/>
-          </a:xfrm>
-          <a:prstGeom prst="rect">
-            <a:avLst/>
-          </a:prstGeom>
-        </p:spPr>
-      </p:pic>
-      <p:pic>
-        <p:nvPicPr>
-          <p:cNvPr id="5" name="Picture 4">
-            <a:extLst>
-              <a:ext uri="{FF2B5EF4-FFF2-40B4-BE49-F238E27FC236}">
-                <a16:creationId xmlns:a16="http://schemas.microsoft.com/office/drawing/2014/main" id="{0F8B1B4D-39E4-889D-EF5A-B7CDA2AD7CE1}"/>
-              </a:ext>
-            </a:extLst>
-          </p:cNvPr>
-          <p:cNvPicPr>
-            <a:picLocks noChangeAspect="1"/>
-          </p:cNvPicPr>
-          <p:nvPr/>
-        </p:nvPicPr>
-        <p:blipFill>
-          <a:blip r:embed="rId4">
-            <a:extLst>
-              <a:ext uri="{28A0092B-C50C-407E-A947-70E740481C1C}">
-                <a14:useLocalDpi xmlns:a14="http://schemas.microsoft.com/office/drawing/2010/main" val="0"/>
-              </a:ext>
-            </a:extLst>
-          </a:blip>
-          <a:stretch>
-            <a:fillRect/>
-          </a:stretch>
-        </p:blipFill>
-        <p:spPr>
-          <a:xfrm>
-            <a:off x="503583" y="1240059"/>
-            <a:ext cx="6294783" cy="4666823"/>
+            <a:off x="1320800" y="1740330"/>
+            <a:ext cx="9706591" cy="4577670"/>
           </a:xfrm>
           <a:prstGeom prst="rect">
             <a:avLst/>
@@ -5106,7 +5034,7 @@
     </p:spTree>
     <p:extLst>
       <p:ext uri="{BB962C8B-B14F-4D97-AF65-F5344CB8AC3E}">
-        <p14:creationId xmlns:p14="http://schemas.microsoft.com/office/powerpoint/2010/main" val="1955509678"/>
+        <p14:creationId xmlns:p14="http://schemas.microsoft.com/office/powerpoint/2010/main" val="907571734"/>
       </p:ext>
     </p:extLst>
   </p:cSld>
@@ -5257,8 +5185,8 @@
         </p:nvSpPr>
         <p:spPr>
           <a:xfrm>
-            <a:off x="1080000" y="275115"/>
-            <a:ext cx="9389456" cy="646331"/>
+            <a:off x="1349136" y="395946"/>
+            <a:ext cx="9389456" cy="1200329"/>
           </a:xfrm>
           <a:prstGeom prst="rect">
             <a:avLst/>
@@ -5273,17 +5201,31 @@
           <a:p>
             <a:r>
               <a:rPr lang="en-GB" b="1" dirty="0"/>
-              <a:t>Get all the sales transaction data from fact_sales_monthly table for that customer(croma: 90002002) in the fiscal_year 2021 </a:t>
-            </a:r>
+              <a:t>Which quarter of 2020, got the maximum total_sold_quantity? The final output contains these fields sorted by the total_sold_quantiy, Quarter, total_sold_quantity.</a:t>
+            </a:r>
+          </a:p>
+          <a:p>
+            <a:endParaRPr lang="en-GB" b="1" dirty="0">
+              <a:solidFill>
+                <a:schemeClr val="accent5"/>
+              </a:solidFill>
+            </a:endParaRPr>
+          </a:p>
+          <a:p>
+            <a:endParaRPr lang="en-GB" b="1" dirty="0">
+              <a:solidFill>
+                <a:schemeClr val="accent5"/>
+              </a:solidFill>
+            </a:endParaRPr>
           </a:p>
         </p:txBody>
       </p:sp>
       <p:pic>
         <p:nvPicPr>
-          <p:cNvPr id="6" name="Picture 5">
-            <a:extLst>
-              <a:ext uri="{FF2B5EF4-FFF2-40B4-BE49-F238E27FC236}">
-                <a16:creationId xmlns:a16="http://schemas.microsoft.com/office/drawing/2014/main" id="{B678D40C-E820-4DA9-B262-532CA70444E4}"/>
+          <p:cNvPr id="8" name="Picture 7">
+            <a:extLst>
+              <a:ext uri="{FF2B5EF4-FFF2-40B4-BE49-F238E27FC236}">
+                <a16:creationId xmlns:a16="http://schemas.microsoft.com/office/drawing/2014/main" id="{A5B6A03C-22F3-4DEC-94A8-27FA11E932B8}"/>
               </a:ext>
             </a:extLst>
           </p:cNvPr>
@@ -5306,8 +5248,8 @@
         </p:blipFill>
         <p:spPr>
           <a:xfrm>
-            <a:off x="1079999" y="1200227"/>
-            <a:ext cx="7106057" cy="1900835"/>
+            <a:off x="8928194" y="4004850"/>
+            <a:ext cx="2581635" cy="1343212"/>
           </a:xfrm>
           <a:prstGeom prst="rect">
             <a:avLst/>
@@ -5316,10 +5258,10 @@
       </p:pic>
       <p:pic>
         <p:nvPicPr>
-          <p:cNvPr id="8" name="Picture 7">
-            <a:extLst>
-              <a:ext uri="{FF2B5EF4-FFF2-40B4-BE49-F238E27FC236}">
-                <a16:creationId xmlns:a16="http://schemas.microsoft.com/office/drawing/2014/main" id="{6A0AFA3A-055B-417C-A74E-8A2F9FC5380C}"/>
+          <p:cNvPr id="10" name="Picture 9">
+            <a:extLst>
+              <a:ext uri="{FF2B5EF4-FFF2-40B4-BE49-F238E27FC236}">
+                <a16:creationId xmlns:a16="http://schemas.microsoft.com/office/drawing/2014/main" id="{16179223-5D81-55C9-01BB-346081944DB7}"/>
               </a:ext>
             </a:extLst>
           </p:cNvPr>
@@ -5342,89 +5284,18 @@
         </p:blipFill>
         <p:spPr>
           <a:xfrm>
-            <a:off x="406400" y="3251434"/>
-            <a:ext cx="6138168" cy="2900409"/>
+            <a:off x="1453408" y="1390666"/>
+            <a:ext cx="6524401" cy="3957396"/>
           </a:xfrm>
           <a:prstGeom prst="rect">
             <a:avLst/>
           </a:prstGeom>
         </p:spPr>
       </p:pic>
-      <p:pic>
-        <p:nvPicPr>
-          <p:cNvPr id="9" name="Picture 8">
-            <a:extLst>
-              <a:ext uri="{FF2B5EF4-FFF2-40B4-BE49-F238E27FC236}">
-                <a16:creationId xmlns:a16="http://schemas.microsoft.com/office/drawing/2014/main" id="{ABEBB39E-92E6-40B5-8621-3C4D65D15D36}"/>
-              </a:ext>
-            </a:extLst>
-          </p:cNvPr>
-          <p:cNvPicPr>
-            <a:picLocks noChangeAspect="1"/>
-          </p:cNvPicPr>
-          <p:nvPr/>
-        </p:nvPicPr>
-        <p:blipFill>
-          <a:blip r:embed="rId5">
-            <a:extLst>
-              <a:ext uri="{28A0092B-C50C-407E-A947-70E740481C1C}">
-                <a14:useLocalDpi xmlns:a14="http://schemas.microsoft.com/office/drawing/2010/main" val="0"/>
-              </a:ext>
-            </a:extLst>
-          </a:blip>
-          <a:stretch>
-            <a:fillRect/>
-          </a:stretch>
-        </p:blipFill>
-        <p:spPr>
-          <a:xfrm>
-            <a:off x="6672015" y="3225800"/>
-            <a:ext cx="5300900" cy="3220040"/>
-          </a:xfrm>
-          <a:prstGeom prst="rect">
-            <a:avLst/>
-          </a:prstGeom>
-        </p:spPr>
-      </p:pic>
-      <p:sp>
-        <p:nvSpPr>
-          <p:cNvPr id="10" name="TextBox 9">
-            <a:extLst>
-              <a:ext uri="{FF2B5EF4-FFF2-40B4-BE49-F238E27FC236}">
-                <a16:creationId xmlns:a16="http://schemas.microsoft.com/office/drawing/2014/main" id="{050D99E3-1425-4FA8-9DF9-E85E825EBA1D}"/>
-              </a:ext>
-            </a:extLst>
-          </p:cNvPr>
-          <p:cNvSpPr txBox="1"/>
-          <p:nvPr/>
-        </p:nvSpPr>
-        <p:spPr>
-          <a:xfrm>
-            <a:off x="6715557" y="2737476"/>
-            <a:ext cx="3641715" cy="369332"/>
-          </a:xfrm>
-          <a:prstGeom prst="rect">
-            <a:avLst/>
-          </a:prstGeom>
-          <a:noFill/>
-        </p:spPr>
-        <p:txBody>
-          <a:bodyPr wrap="square" rtlCol="0">
-            <a:spAutoFit/>
-          </a:bodyPr>
-          <a:lstStyle/>
-          <a:p>
-            <a:r>
-              <a:rPr lang="en-GB" b="1" dirty="0"/>
-              <a:t>Create function for fiscal_year</a:t>
-            </a:r>
-          </a:p>
-        </p:txBody>
-      </p:sp>
     </p:spTree>
     <p:extLst>
       <p:ext uri="{BB962C8B-B14F-4D97-AF65-F5344CB8AC3E}">
-        <p14:creationId xmlns:p14="http://schemas.microsoft.com/office/powerpoint/2010/main" val="1327877252"/>
+        <p14:creationId xmlns:p14="http://schemas.microsoft.com/office/powerpoint/2010/main" val="2951436663"/>
       </p:ext>
     </p:extLst>
   </p:cSld>
@@ -5575,8 +5446,8 @@
         </p:nvSpPr>
         <p:spPr>
           <a:xfrm>
-            <a:off x="976196" y="647009"/>
-            <a:ext cx="9389456" cy="646331"/>
+            <a:off x="1247315" y="380052"/>
+            <a:ext cx="9389456" cy="923330"/>
           </a:xfrm>
           <a:prstGeom prst="rect">
             <a:avLst/>
@@ -5591,7 +5462,7 @@
           <a:p>
             <a:r>
               <a:rPr lang="en-GB" b="1" dirty="0"/>
-              <a:t>Generate monthly gross sales report for any customer using stored procedure</a:t>
+              <a:t>Which channel helped to bring more gross sales in the fiscal year 2021 and the percentage of contribution? The final output contains these fields, channel gross sales min percentage.</a:t>
             </a:r>
           </a:p>
           <a:p>
@@ -5605,10 +5476,10 @@
       </p:sp>
       <p:pic>
         <p:nvPicPr>
-          <p:cNvPr id="6" name="Picture 5">
-            <a:extLst>
-              <a:ext uri="{FF2B5EF4-FFF2-40B4-BE49-F238E27FC236}">
-                <a16:creationId xmlns:a16="http://schemas.microsoft.com/office/drawing/2014/main" id="{61834D9C-E4DF-47A3-8A42-C2E4D8B8DF3D}"/>
+          <p:cNvPr id="8" name="Picture 7">
+            <a:extLst>
+              <a:ext uri="{FF2B5EF4-FFF2-40B4-BE49-F238E27FC236}">
+                <a16:creationId xmlns:a16="http://schemas.microsoft.com/office/drawing/2014/main" id="{A8662A25-3372-4B4B-8056-22F2B2A16211}"/>
               </a:ext>
             </a:extLst>
           </p:cNvPr>
@@ -5631,8 +5502,8 @@
         </p:blipFill>
         <p:spPr>
           <a:xfrm>
-            <a:off x="976196" y="1518971"/>
-            <a:ext cx="7006661" cy="3820058"/>
+            <a:off x="8550288" y="4942807"/>
+            <a:ext cx="3162741" cy="1152686"/>
           </a:xfrm>
           <a:prstGeom prst="rect">
             <a:avLst/>
@@ -5641,10 +5512,10 @@
       </p:pic>
       <p:pic>
         <p:nvPicPr>
-          <p:cNvPr id="8" name="Picture 7">
-            <a:extLst>
-              <a:ext uri="{FF2B5EF4-FFF2-40B4-BE49-F238E27FC236}">
-                <a16:creationId xmlns:a16="http://schemas.microsoft.com/office/drawing/2014/main" id="{FA285494-7756-409C-8553-3C9DA599C601}"/>
+          <p:cNvPr id="6" name="Picture 5">
+            <a:extLst>
+              <a:ext uri="{FF2B5EF4-FFF2-40B4-BE49-F238E27FC236}">
+                <a16:creationId xmlns:a16="http://schemas.microsoft.com/office/drawing/2014/main" id="{AC2E7665-5F49-73B4-618C-4BEE0D01852D}"/>
               </a:ext>
             </a:extLst>
           </p:cNvPr>
@@ -5667,44 +5538,8 @@
         </p:blipFill>
         <p:spPr>
           <a:xfrm>
-            <a:off x="1080000" y="5616052"/>
-            <a:ext cx="7916380" cy="323895"/>
-          </a:xfrm>
-          <a:prstGeom prst="rect">
-            <a:avLst/>
-          </a:prstGeom>
-        </p:spPr>
-      </p:pic>
-      <p:pic>
-        <p:nvPicPr>
-          <p:cNvPr id="9" name="Picture 8">
-            <a:extLst>
-              <a:ext uri="{FF2B5EF4-FFF2-40B4-BE49-F238E27FC236}">
-                <a16:creationId xmlns:a16="http://schemas.microsoft.com/office/drawing/2014/main" id="{7462BE8B-31BE-4C47-A9FC-42E6386A9DBB}"/>
-              </a:ext>
-            </a:extLst>
-          </p:cNvPr>
-          <p:cNvPicPr>
-            <a:picLocks noChangeAspect="1"/>
-          </p:cNvPicPr>
-          <p:nvPr/>
-        </p:nvPicPr>
-        <p:blipFill>
-          <a:blip r:embed="rId5">
-            <a:extLst>
-              <a:ext uri="{28A0092B-C50C-407E-A947-70E740481C1C}">
-                <a14:useLocalDpi xmlns:a14="http://schemas.microsoft.com/office/drawing/2010/main" val="0"/>
-              </a:ext>
-            </a:extLst>
-          </a:blip>
-          <a:stretch>
-            <a:fillRect/>
-          </a:stretch>
-        </p:blipFill>
-        <p:spPr>
-          <a:xfrm>
-            <a:off x="8892576" y="1518971"/>
-            <a:ext cx="2429214" cy="3820058"/>
+            <a:off x="1080000" y="1441839"/>
+            <a:ext cx="8326399" cy="3500968"/>
           </a:xfrm>
           <a:prstGeom prst="rect">
             <a:avLst/>
@@ -5714,7 +5549,7 @@
     </p:spTree>
     <p:extLst>
       <p:ext uri="{BB962C8B-B14F-4D97-AF65-F5344CB8AC3E}">
-        <p14:creationId xmlns:p14="http://schemas.microsoft.com/office/powerpoint/2010/main" val="379134283"/>
+        <p14:creationId xmlns:p14="http://schemas.microsoft.com/office/powerpoint/2010/main" val="1056007418"/>
       </p:ext>
     </p:extLst>
   </p:cSld>
@@ -5865,8 +5700,8 @@
         </p:nvSpPr>
         <p:spPr>
           <a:xfrm>
-            <a:off x="1214782" y="661153"/>
-            <a:ext cx="9389456" cy="369332"/>
+            <a:off x="1080000" y="316729"/>
+            <a:ext cx="9389456" cy="923330"/>
           </a:xfrm>
           <a:prstGeom prst="rect">
             <a:avLst/>
@@ -5881,17 +5716,32 @@
           <a:p>
             <a:r>
               <a:rPr lang="en-GB" b="1" dirty="0"/>
-              <a:t>Generate monthly gross sales report for any customer using stored procedure</a:t>
-            </a:r>
+              <a:t>Get the Top 3 products in each division that have a high total_sold_quantity in the </a:t>
+            </a:r>
+            <a:r>
+              <a:rPr lang="en-GB" b="1" dirty="0" err="1"/>
+              <a:t>fiscal_year</a:t>
+            </a:r>
+            <a:r>
+              <a:rPr lang="en-GB" b="1" dirty="0"/>
+              <a:t> 2021? The final output contains these fields, division product_code.</a:t>
+            </a:r>
+          </a:p>
+          <a:p>
+            <a:endParaRPr lang="en-GB" b="1" dirty="0">
+              <a:solidFill>
+                <a:schemeClr val="accent5"/>
+              </a:solidFill>
+            </a:endParaRPr>
           </a:p>
         </p:txBody>
       </p:sp>
       <p:pic>
         <p:nvPicPr>
-          <p:cNvPr id="5" name="Picture 4">
-            <a:extLst>
-              <a:ext uri="{FF2B5EF4-FFF2-40B4-BE49-F238E27FC236}">
-                <a16:creationId xmlns:a16="http://schemas.microsoft.com/office/drawing/2014/main" id="{F3F0FAE9-CEDD-4AE2-A67C-A10628A2AC3A}"/>
+          <p:cNvPr id="13" name="Picture 12">
+            <a:extLst>
+              <a:ext uri="{FF2B5EF4-FFF2-40B4-BE49-F238E27FC236}">
+                <a16:creationId xmlns:a16="http://schemas.microsoft.com/office/drawing/2014/main" id="{80C1C908-C7CC-42E1-AD53-35871EED0862}"/>
               </a:ext>
             </a:extLst>
           </p:cNvPr>
@@ -5914,8 +5764,8 @@
         </p:blipFill>
         <p:spPr>
           <a:xfrm>
-            <a:off x="1214782" y="1573630"/>
-            <a:ext cx="5039428" cy="3896269"/>
+            <a:off x="6798365" y="3153774"/>
+            <a:ext cx="5251061" cy="2753109"/>
           </a:xfrm>
           <a:prstGeom prst="rect">
             <a:avLst/>
@@ -5924,10 +5774,10 @@
       </p:pic>
       <p:pic>
         <p:nvPicPr>
-          <p:cNvPr id="11" name="Picture 10">
-            <a:extLst>
-              <a:ext uri="{FF2B5EF4-FFF2-40B4-BE49-F238E27FC236}">
-                <a16:creationId xmlns:a16="http://schemas.microsoft.com/office/drawing/2014/main" id="{5F8190AC-FD26-4DE8-B64C-146C6F22ADA5}"/>
+          <p:cNvPr id="5" name="Picture 4">
+            <a:extLst>
+              <a:ext uri="{FF2B5EF4-FFF2-40B4-BE49-F238E27FC236}">
+                <a16:creationId xmlns:a16="http://schemas.microsoft.com/office/drawing/2014/main" id="{0F8B1B4D-39E4-889D-EF5A-B7CDA2AD7CE1}"/>
               </a:ext>
             </a:extLst>
           </p:cNvPr>
@@ -5950,8 +5800,8 @@
         </p:blipFill>
         <p:spPr>
           <a:xfrm>
-            <a:off x="6928432" y="2650105"/>
-            <a:ext cx="4648849" cy="1743318"/>
+            <a:off x="503583" y="1240059"/>
+            <a:ext cx="6294783" cy="4666823"/>
           </a:xfrm>
           <a:prstGeom prst="rect">
             <a:avLst/>
@@ -5961,7 +5811,7 @@
     </p:spTree>
     <p:extLst>
       <p:ext uri="{BB962C8B-B14F-4D97-AF65-F5344CB8AC3E}">
-        <p14:creationId xmlns:p14="http://schemas.microsoft.com/office/powerpoint/2010/main" val="2762064623"/>
+        <p14:creationId xmlns:p14="http://schemas.microsoft.com/office/powerpoint/2010/main" val="1955509678"/>
       </p:ext>
     </p:extLst>
   </p:cSld>
@@ -5988,12 +5838,62 @@
           <a:chExt cx="0" cy="0"/>
         </a:xfrm>
       </p:grpSpPr>
+      <p:sp>
+        <p:nvSpPr>
+          <p:cNvPr id="2" name="TextBox 1">
+            <a:extLst>
+              <a:ext uri="{FF2B5EF4-FFF2-40B4-BE49-F238E27FC236}">
+                <a16:creationId xmlns:a16="http://schemas.microsoft.com/office/drawing/2014/main" id="{304137F2-09F9-C4BC-BFEE-2DE6FD8F72C2}"/>
+              </a:ext>
+            </a:extLst>
+          </p:cNvPr>
+          <p:cNvSpPr txBox="1"/>
+          <p:nvPr/>
+        </p:nvSpPr>
+        <p:spPr>
+          <a:xfrm>
+            <a:off x="1080000" y="316729"/>
+            <a:ext cx="9389456" cy="923330"/>
+          </a:xfrm>
+          <a:prstGeom prst="rect">
+            <a:avLst/>
+          </a:prstGeom>
+          <a:noFill/>
+        </p:spPr>
+        <p:txBody>
+          <a:bodyPr wrap="square" rtlCol="0">
+            <a:spAutoFit/>
+          </a:bodyPr>
+          <a:lstStyle/>
+          <a:p>
+            <a:r>
+              <a:rPr lang="en-GB" b="1" dirty="0"/>
+              <a:t>Get the Top 3 products in each division that have a high total_sold_quantity in the </a:t>
+            </a:r>
+            <a:r>
+              <a:rPr lang="en-GB" b="1" dirty="0" err="1"/>
+              <a:t>fiscal_year</a:t>
+            </a:r>
+            <a:r>
+              <a:rPr lang="en-GB" b="1" dirty="0"/>
+              <a:t> 2021? The final output contains these fields, division product_code.</a:t>
+            </a:r>
+          </a:p>
+          <a:p>
+            <a:endParaRPr lang="en-GB" b="1" dirty="0">
+              <a:solidFill>
+                <a:schemeClr val="accent5"/>
+              </a:solidFill>
+            </a:endParaRPr>
+          </a:p>
+        </p:txBody>
+      </p:sp>
       <p:pic>
         <p:nvPicPr>
           <p:cNvPr id="3" name="Picture 2">
             <a:extLst>
               <a:ext uri="{FF2B5EF4-FFF2-40B4-BE49-F238E27FC236}">
-                <a16:creationId xmlns:a16="http://schemas.microsoft.com/office/drawing/2014/main" id="{4E606B63-109F-48F1-85F2-496E9BF2EDE1}"/>
+                <a16:creationId xmlns:a16="http://schemas.microsoft.com/office/drawing/2014/main" id="{A08A4B7A-6694-4119-72F7-8C3E0C1161A6}"/>
               </a:ext>
             </a:extLst>
           </p:cNvPr>
@@ -6029,7 +5929,7 @@
           <p:cNvPr id="4" name="TextBox 3">
             <a:extLst>
               <a:ext uri="{FF2B5EF4-FFF2-40B4-BE49-F238E27FC236}">
-                <a16:creationId xmlns:a16="http://schemas.microsoft.com/office/drawing/2014/main" id="{EC90F760-FB28-46C0-BEE6-D9628C66C701}"/>
+                <a16:creationId xmlns:a16="http://schemas.microsoft.com/office/drawing/2014/main" id="{81FAB3CC-1067-EB86-6B4E-3ED7730A6F9B}"/>
               </a:ext>
             </a:extLst>
           </p:cNvPr>
@@ -6063,10 +5963,10 @@
       </p:sp>
       <p:sp>
         <p:nvSpPr>
-          <p:cNvPr id="7" name="TextBox 6">
-            <a:extLst>
-              <a:ext uri="{FF2B5EF4-FFF2-40B4-BE49-F238E27FC236}">
-                <a16:creationId xmlns:a16="http://schemas.microsoft.com/office/drawing/2014/main" id="{4C602EBE-EA42-4D3F-98F7-DE5853E1388B}"/>
+          <p:cNvPr id="5" name="TextBox 4">
+            <a:extLst>
+              <a:ext uri="{FF2B5EF4-FFF2-40B4-BE49-F238E27FC236}">
+                <a16:creationId xmlns:a16="http://schemas.microsoft.com/office/drawing/2014/main" id="{76692FBD-6576-1D82-AB60-87D43A170214}"/>
               </a:ext>
             </a:extLst>
           </p:cNvPr>
@@ -6098,12 +5998,114 @@
           </a:p>
         </p:txBody>
       </p:sp>
-      <p:sp>
-        <p:nvSpPr>
-          <p:cNvPr id="2" name="TextBox 1">
-            <a:extLst>
-              <a:ext uri="{FF2B5EF4-FFF2-40B4-BE49-F238E27FC236}">
-                <a16:creationId xmlns:a16="http://schemas.microsoft.com/office/drawing/2014/main" id="{98B20CD7-C6DD-4DE9-9D10-DE089B5BEB87}"/>
+      <p:pic>
+        <p:nvPicPr>
+          <p:cNvPr id="9" name="Picture 8" descr="A graph of a number of different colored bars&#10;&#10;Description automatically generated with medium confidence">
+            <a:extLst>
+              <a:ext uri="{FF2B5EF4-FFF2-40B4-BE49-F238E27FC236}">
+                <a16:creationId xmlns:a16="http://schemas.microsoft.com/office/drawing/2014/main" id="{9D0960D6-488B-4313-0587-7133EC0B20CB}"/>
+              </a:ext>
+            </a:extLst>
+          </p:cNvPr>
+          <p:cNvPicPr>
+            <a:picLocks noChangeAspect="1"/>
+          </p:cNvPicPr>
+          <p:nvPr/>
+        </p:nvPicPr>
+        <p:blipFill>
+          <a:blip r:embed="rId3">
+            <a:extLst>
+              <a:ext uri="{28A0092B-C50C-407E-A947-70E740481C1C}">
+                <a14:useLocalDpi xmlns:a14="http://schemas.microsoft.com/office/drawing/2010/main" val="0"/>
+              </a:ext>
+            </a:extLst>
+          </a:blip>
+          <a:stretch>
+            <a:fillRect/>
+          </a:stretch>
+        </p:blipFill>
+        <p:spPr>
+          <a:xfrm>
+            <a:off x="1079999" y="1240059"/>
+            <a:ext cx="9389455" cy="5171981"/>
+          </a:xfrm>
+          <a:prstGeom prst="rect">
+            <a:avLst/>
+          </a:prstGeom>
+        </p:spPr>
+      </p:pic>
+    </p:spTree>
+    <p:extLst>
+      <p:ext uri="{BB962C8B-B14F-4D97-AF65-F5344CB8AC3E}">
+        <p14:creationId xmlns:p14="http://schemas.microsoft.com/office/powerpoint/2010/main" val="3363194127"/>
+      </p:ext>
+    </p:extLst>
+  </p:cSld>
+  <p:clrMapOvr>
+    <a:masterClrMapping/>
+  </p:clrMapOvr>
+</p:sld>
+</file>
+
+<file path=ppt/slides/slide19.xml><?xml version="1.0" encoding="utf-8"?>
+<p:sld xmlns:a="http://schemas.openxmlformats.org/drawingml/2006/main" xmlns:r="http://schemas.openxmlformats.org/officeDocument/2006/relationships" xmlns:p="http://schemas.openxmlformats.org/presentationml/2006/main">
+  <p:cSld>
+    <p:spTree>
+      <p:nvGrpSpPr>
+        <p:cNvPr id="1" name=""/>
+        <p:cNvGrpSpPr/>
+        <p:nvPr/>
+      </p:nvGrpSpPr>
+      <p:grpSpPr>
+        <a:xfrm>
+          <a:off x="0" y="0"/>
+          <a:ext cx="0" cy="0"/>
+          <a:chOff x="0" y="0"/>
+          <a:chExt cx="0" cy="0"/>
+        </a:xfrm>
+      </p:grpSpPr>
+      <p:pic>
+        <p:nvPicPr>
+          <p:cNvPr id="3" name="Picture 2">
+            <a:extLst>
+              <a:ext uri="{FF2B5EF4-FFF2-40B4-BE49-F238E27FC236}">
+                <a16:creationId xmlns:a16="http://schemas.microsoft.com/office/drawing/2014/main" id="{4E606B63-109F-48F1-85F2-496E9BF2EDE1}"/>
+              </a:ext>
+            </a:extLst>
+          </p:cNvPr>
+          <p:cNvPicPr>
+            <a:picLocks noChangeAspect="1"/>
+          </p:cNvPicPr>
+          <p:nvPr/>
+        </p:nvPicPr>
+        <p:blipFill>
+          <a:blip r:embed="rId2">
+            <a:extLst>
+              <a:ext uri="{28A0092B-C50C-407E-A947-70E740481C1C}">
+                <a14:useLocalDpi xmlns:a14="http://schemas.microsoft.com/office/drawing/2010/main" val="0"/>
+              </a:ext>
+            </a:extLst>
+          </a:blip>
+          <a:stretch>
+            <a:fillRect/>
+          </a:stretch>
+        </p:blipFill>
+        <p:spPr>
+          <a:xfrm>
+            <a:off x="0" y="0"/>
+            <a:ext cx="1080000" cy="1080000"/>
+          </a:xfrm>
+          <a:prstGeom prst="rect">
+            <a:avLst/>
+          </a:prstGeom>
+        </p:spPr>
+      </p:pic>
+      <p:sp>
+        <p:nvSpPr>
+          <p:cNvPr id="4" name="TextBox 3">
+            <a:extLst>
+              <a:ext uri="{FF2B5EF4-FFF2-40B4-BE49-F238E27FC236}">
+                <a16:creationId xmlns:a16="http://schemas.microsoft.com/office/drawing/2014/main" id="{EC90F760-FB28-46C0-BEE6-D9628C66C701}"/>
               </a:ext>
             </a:extLst>
           </p:cNvPr>
@@ -6112,8 +6114,8 @@
         </p:nvSpPr>
         <p:spPr>
           <a:xfrm>
-            <a:off x="3868057" y="2875002"/>
-            <a:ext cx="4455886" cy="1107996"/>
+            <a:off x="101600" y="6412040"/>
+            <a:ext cx="2226365" cy="369332"/>
           </a:xfrm>
           <a:prstGeom prst="rect">
             <a:avLst/>
@@ -6127,13 +6129,225 @@
           <a:lstStyle/>
           <a:p>
             <a:r>
-              <a:rPr lang="en-IN" sz="6600" b="1" dirty="0">
-                <a:solidFill>
-                  <a:srgbClr val="0070C0"/>
-                </a:solidFill>
+              <a:rPr lang="en-IN" b="1" dirty="0">
                 <a:latin typeface="Avenir LT Pro 65 Medium" panose="020B0603020203020204" pitchFamily="34" charset="0"/>
               </a:rPr>
-              <a:t>Thank You</a:t>
+              <a:t>AtliQ Hardwares</a:t>
+            </a:r>
+          </a:p>
+        </p:txBody>
+      </p:sp>
+      <p:sp>
+        <p:nvSpPr>
+          <p:cNvPr id="7" name="TextBox 6">
+            <a:extLst>
+              <a:ext uri="{FF2B5EF4-FFF2-40B4-BE49-F238E27FC236}">
+                <a16:creationId xmlns:a16="http://schemas.microsoft.com/office/drawing/2014/main" id="{4C602EBE-EA42-4D3F-98F7-DE5853E1388B}"/>
+              </a:ext>
+            </a:extLst>
+          </p:cNvPr>
+          <p:cNvSpPr txBox="1"/>
+          <p:nvPr/>
+        </p:nvSpPr>
+        <p:spPr>
+          <a:xfrm>
+            <a:off x="9252857" y="6457332"/>
+            <a:ext cx="3540225" cy="338554"/>
+          </a:xfrm>
+          <a:prstGeom prst="rect">
+            <a:avLst/>
+          </a:prstGeom>
+          <a:noFill/>
+        </p:spPr>
+        <p:txBody>
+          <a:bodyPr wrap="square" rtlCol="0">
+            <a:spAutoFit/>
+          </a:bodyPr>
+          <a:lstStyle/>
+          <a:p>
+            <a:r>
+              <a:rPr lang="en-IN" sz="1600" dirty="0">
+                <a:latin typeface="Avenir LT Pro 65 Medium" panose="020B0603020203020204" pitchFamily="34" charset="0"/>
+              </a:rPr>
+              <a:t>Presented by Pranoy Roy</a:t>
+            </a:r>
+          </a:p>
+        </p:txBody>
+      </p:sp>
+      <p:sp>
+        <p:nvSpPr>
+          <p:cNvPr id="12" name="TextBox 11">
+            <a:extLst>
+              <a:ext uri="{FF2B5EF4-FFF2-40B4-BE49-F238E27FC236}">
+                <a16:creationId xmlns:a16="http://schemas.microsoft.com/office/drawing/2014/main" id="{1C8F2B6D-05D6-41FE-BF97-BFFB0A8034A0}"/>
+              </a:ext>
+            </a:extLst>
+          </p:cNvPr>
+          <p:cNvSpPr txBox="1"/>
+          <p:nvPr/>
+        </p:nvSpPr>
+        <p:spPr>
+          <a:xfrm>
+            <a:off x="1080000" y="275115"/>
+            <a:ext cx="9389456" cy="646331"/>
+          </a:xfrm>
+          <a:prstGeom prst="rect">
+            <a:avLst/>
+          </a:prstGeom>
+          <a:noFill/>
+        </p:spPr>
+        <p:txBody>
+          <a:bodyPr wrap="square" rtlCol="0">
+            <a:spAutoFit/>
+          </a:bodyPr>
+          <a:lstStyle/>
+          <a:p>
+            <a:r>
+              <a:rPr lang="en-GB" b="1" dirty="0"/>
+              <a:t>Get all the sales transaction data from fact_sales_monthly table for that customer(croma: 90002002) in the fiscal_year 2021 </a:t>
+            </a:r>
+          </a:p>
+        </p:txBody>
+      </p:sp>
+      <p:pic>
+        <p:nvPicPr>
+          <p:cNvPr id="6" name="Picture 5">
+            <a:extLst>
+              <a:ext uri="{FF2B5EF4-FFF2-40B4-BE49-F238E27FC236}">
+                <a16:creationId xmlns:a16="http://schemas.microsoft.com/office/drawing/2014/main" id="{B678D40C-E820-4DA9-B262-532CA70444E4}"/>
+              </a:ext>
+            </a:extLst>
+          </p:cNvPr>
+          <p:cNvPicPr>
+            <a:picLocks noChangeAspect="1"/>
+          </p:cNvPicPr>
+          <p:nvPr/>
+        </p:nvPicPr>
+        <p:blipFill>
+          <a:blip r:embed="rId3">
+            <a:extLst>
+              <a:ext uri="{28A0092B-C50C-407E-A947-70E740481C1C}">
+                <a14:useLocalDpi xmlns:a14="http://schemas.microsoft.com/office/drawing/2010/main" val="0"/>
+              </a:ext>
+            </a:extLst>
+          </a:blip>
+          <a:stretch>
+            <a:fillRect/>
+          </a:stretch>
+        </p:blipFill>
+        <p:spPr>
+          <a:xfrm>
+            <a:off x="1079999" y="1200227"/>
+            <a:ext cx="7106057" cy="1900835"/>
+          </a:xfrm>
+          <a:prstGeom prst="rect">
+            <a:avLst/>
+          </a:prstGeom>
+        </p:spPr>
+      </p:pic>
+      <p:pic>
+        <p:nvPicPr>
+          <p:cNvPr id="8" name="Picture 7">
+            <a:extLst>
+              <a:ext uri="{FF2B5EF4-FFF2-40B4-BE49-F238E27FC236}">
+                <a16:creationId xmlns:a16="http://schemas.microsoft.com/office/drawing/2014/main" id="{6A0AFA3A-055B-417C-A74E-8A2F9FC5380C}"/>
+              </a:ext>
+            </a:extLst>
+          </p:cNvPr>
+          <p:cNvPicPr>
+            <a:picLocks noChangeAspect="1"/>
+          </p:cNvPicPr>
+          <p:nvPr/>
+        </p:nvPicPr>
+        <p:blipFill>
+          <a:blip r:embed="rId4">
+            <a:extLst>
+              <a:ext uri="{28A0092B-C50C-407E-A947-70E740481C1C}">
+                <a14:useLocalDpi xmlns:a14="http://schemas.microsoft.com/office/drawing/2010/main" val="0"/>
+              </a:ext>
+            </a:extLst>
+          </a:blip>
+          <a:stretch>
+            <a:fillRect/>
+          </a:stretch>
+        </p:blipFill>
+        <p:spPr>
+          <a:xfrm>
+            <a:off x="406400" y="3251434"/>
+            <a:ext cx="6138168" cy="2900409"/>
+          </a:xfrm>
+          <a:prstGeom prst="rect">
+            <a:avLst/>
+          </a:prstGeom>
+        </p:spPr>
+      </p:pic>
+      <p:pic>
+        <p:nvPicPr>
+          <p:cNvPr id="9" name="Picture 8">
+            <a:extLst>
+              <a:ext uri="{FF2B5EF4-FFF2-40B4-BE49-F238E27FC236}">
+                <a16:creationId xmlns:a16="http://schemas.microsoft.com/office/drawing/2014/main" id="{ABEBB39E-92E6-40B5-8621-3C4D65D15D36}"/>
+              </a:ext>
+            </a:extLst>
+          </p:cNvPr>
+          <p:cNvPicPr>
+            <a:picLocks noChangeAspect="1"/>
+          </p:cNvPicPr>
+          <p:nvPr/>
+        </p:nvPicPr>
+        <p:blipFill>
+          <a:blip r:embed="rId5">
+            <a:extLst>
+              <a:ext uri="{28A0092B-C50C-407E-A947-70E740481C1C}">
+                <a14:useLocalDpi xmlns:a14="http://schemas.microsoft.com/office/drawing/2010/main" val="0"/>
+              </a:ext>
+            </a:extLst>
+          </a:blip>
+          <a:stretch>
+            <a:fillRect/>
+          </a:stretch>
+        </p:blipFill>
+        <p:spPr>
+          <a:xfrm>
+            <a:off x="6672015" y="3225800"/>
+            <a:ext cx="5300900" cy="3220040"/>
+          </a:xfrm>
+          <a:prstGeom prst="rect">
+            <a:avLst/>
+          </a:prstGeom>
+        </p:spPr>
+      </p:pic>
+      <p:sp>
+        <p:nvSpPr>
+          <p:cNvPr id="10" name="TextBox 9">
+            <a:extLst>
+              <a:ext uri="{FF2B5EF4-FFF2-40B4-BE49-F238E27FC236}">
+                <a16:creationId xmlns:a16="http://schemas.microsoft.com/office/drawing/2014/main" id="{050D99E3-1425-4FA8-9DF9-E85E825EBA1D}"/>
+              </a:ext>
+            </a:extLst>
+          </p:cNvPr>
+          <p:cNvSpPr txBox="1"/>
+          <p:nvPr/>
+        </p:nvSpPr>
+        <p:spPr>
+          <a:xfrm>
+            <a:off x="6715557" y="2737476"/>
+            <a:ext cx="3641715" cy="369332"/>
+          </a:xfrm>
+          <a:prstGeom prst="rect">
+            <a:avLst/>
+          </a:prstGeom>
+          <a:noFill/>
+        </p:spPr>
+        <p:txBody>
+          <a:bodyPr wrap="square" rtlCol="0">
+            <a:spAutoFit/>
+          </a:bodyPr>
+          <a:lstStyle/>
+          <a:p>
+            <a:r>
+              <a:rPr lang="en-GB" b="1" dirty="0"/>
+              <a:t>Create function for fiscal_year</a:t>
             </a:r>
           </a:p>
         </p:txBody>
@@ -6141,7 +6355,7 @@
     </p:spTree>
     <p:extLst>
       <p:ext uri="{BB962C8B-B14F-4D97-AF65-F5344CB8AC3E}">
-        <p14:creationId xmlns:p14="http://schemas.microsoft.com/office/powerpoint/2010/main" val="3218502995"/>
+        <p14:creationId xmlns:p14="http://schemas.microsoft.com/office/powerpoint/2010/main" val="1327877252"/>
       </p:ext>
     </p:extLst>
   </p:cSld>
@@ -6416,6 +6630,723 @@
     <p:extLst>
       <p:ext uri="{BB962C8B-B14F-4D97-AF65-F5344CB8AC3E}">
         <p14:creationId xmlns:p14="http://schemas.microsoft.com/office/powerpoint/2010/main" val="3051409075"/>
+      </p:ext>
+    </p:extLst>
+  </p:cSld>
+  <p:clrMapOvr>
+    <a:masterClrMapping/>
+  </p:clrMapOvr>
+</p:sld>
+</file>
+
+<file path=ppt/slides/slide20.xml><?xml version="1.0" encoding="utf-8"?>
+<p:sld xmlns:a="http://schemas.openxmlformats.org/drawingml/2006/main" xmlns:r="http://schemas.openxmlformats.org/officeDocument/2006/relationships" xmlns:p="http://schemas.openxmlformats.org/presentationml/2006/main">
+  <p:cSld>
+    <p:spTree>
+      <p:nvGrpSpPr>
+        <p:cNvPr id="1" name=""/>
+        <p:cNvGrpSpPr/>
+        <p:nvPr/>
+      </p:nvGrpSpPr>
+      <p:grpSpPr>
+        <a:xfrm>
+          <a:off x="0" y="0"/>
+          <a:ext cx="0" cy="0"/>
+          <a:chOff x="0" y="0"/>
+          <a:chExt cx="0" cy="0"/>
+        </a:xfrm>
+      </p:grpSpPr>
+      <p:pic>
+        <p:nvPicPr>
+          <p:cNvPr id="3" name="Picture 2">
+            <a:extLst>
+              <a:ext uri="{FF2B5EF4-FFF2-40B4-BE49-F238E27FC236}">
+                <a16:creationId xmlns:a16="http://schemas.microsoft.com/office/drawing/2014/main" id="{4E606B63-109F-48F1-85F2-496E9BF2EDE1}"/>
+              </a:ext>
+            </a:extLst>
+          </p:cNvPr>
+          <p:cNvPicPr>
+            <a:picLocks noChangeAspect="1"/>
+          </p:cNvPicPr>
+          <p:nvPr/>
+        </p:nvPicPr>
+        <p:blipFill>
+          <a:blip r:embed="rId2">
+            <a:extLst>
+              <a:ext uri="{28A0092B-C50C-407E-A947-70E740481C1C}">
+                <a14:useLocalDpi xmlns:a14="http://schemas.microsoft.com/office/drawing/2010/main" val="0"/>
+              </a:ext>
+            </a:extLst>
+          </a:blip>
+          <a:stretch>
+            <a:fillRect/>
+          </a:stretch>
+        </p:blipFill>
+        <p:spPr>
+          <a:xfrm>
+            <a:off x="0" y="0"/>
+            <a:ext cx="1080000" cy="1080000"/>
+          </a:xfrm>
+          <a:prstGeom prst="rect">
+            <a:avLst/>
+          </a:prstGeom>
+        </p:spPr>
+      </p:pic>
+      <p:sp>
+        <p:nvSpPr>
+          <p:cNvPr id="4" name="TextBox 3">
+            <a:extLst>
+              <a:ext uri="{FF2B5EF4-FFF2-40B4-BE49-F238E27FC236}">
+                <a16:creationId xmlns:a16="http://schemas.microsoft.com/office/drawing/2014/main" id="{EC90F760-FB28-46C0-BEE6-D9628C66C701}"/>
+              </a:ext>
+            </a:extLst>
+          </p:cNvPr>
+          <p:cNvSpPr txBox="1"/>
+          <p:nvPr/>
+        </p:nvSpPr>
+        <p:spPr>
+          <a:xfrm>
+            <a:off x="101600" y="6412040"/>
+            <a:ext cx="2226365" cy="369332"/>
+          </a:xfrm>
+          <a:prstGeom prst="rect">
+            <a:avLst/>
+          </a:prstGeom>
+          <a:noFill/>
+        </p:spPr>
+        <p:txBody>
+          <a:bodyPr wrap="square" rtlCol="0">
+            <a:spAutoFit/>
+          </a:bodyPr>
+          <a:lstStyle/>
+          <a:p>
+            <a:r>
+              <a:rPr lang="en-IN" b="1" dirty="0">
+                <a:latin typeface="Avenir LT Pro 65 Medium" panose="020B0603020203020204" pitchFamily="34" charset="0"/>
+              </a:rPr>
+              <a:t>AtliQ Hardwares</a:t>
+            </a:r>
+          </a:p>
+        </p:txBody>
+      </p:sp>
+      <p:sp>
+        <p:nvSpPr>
+          <p:cNvPr id="7" name="TextBox 6">
+            <a:extLst>
+              <a:ext uri="{FF2B5EF4-FFF2-40B4-BE49-F238E27FC236}">
+                <a16:creationId xmlns:a16="http://schemas.microsoft.com/office/drawing/2014/main" id="{4C602EBE-EA42-4D3F-98F7-DE5853E1388B}"/>
+              </a:ext>
+            </a:extLst>
+          </p:cNvPr>
+          <p:cNvSpPr txBox="1"/>
+          <p:nvPr/>
+        </p:nvSpPr>
+        <p:spPr>
+          <a:xfrm>
+            <a:off x="9252857" y="6457332"/>
+            <a:ext cx="3540225" cy="338554"/>
+          </a:xfrm>
+          <a:prstGeom prst="rect">
+            <a:avLst/>
+          </a:prstGeom>
+          <a:noFill/>
+        </p:spPr>
+        <p:txBody>
+          <a:bodyPr wrap="square" rtlCol="0">
+            <a:spAutoFit/>
+          </a:bodyPr>
+          <a:lstStyle/>
+          <a:p>
+            <a:r>
+              <a:rPr lang="en-IN" sz="1600" dirty="0">
+                <a:latin typeface="Avenir LT Pro 65 Medium" panose="020B0603020203020204" pitchFamily="34" charset="0"/>
+              </a:rPr>
+              <a:t>Presented by Pranoy Roy</a:t>
+            </a:r>
+          </a:p>
+        </p:txBody>
+      </p:sp>
+      <p:sp>
+        <p:nvSpPr>
+          <p:cNvPr id="12" name="TextBox 11">
+            <a:extLst>
+              <a:ext uri="{FF2B5EF4-FFF2-40B4-BE49-F238E27FC236}">
+                <a16:creationId xmlns:a16="http://schemas.microsoft.com/office/drawing/2014/main" id="{1C8F2B6D-05D6-41FE-BF97-BFFB0A8034A0}"/>
+              </a:ext>
+            </a:extLst>
+          </p:cNvPr>
+          <p:cNvSpPr txBox="1"/>
+          <p:nvPr/>
+        </p:nvSpPr>
+        <p:spPr>
+          <a:xfrm>
+            <a:off x="976196" y="647009"/>
+            <a:ext cx="9389456" cy="646331"/>
+          </a:xfrm>
+          <a:prstGeom prst="rect">
+            <a:avLst/>
+          </a:prstGeom>
+          <a:noFill/>
+        </p:spPr>
+        <p:txBody>
+          <a:bodyPr wrap="square" rtlCol="0">
+            <a:spAutoFit/>
+          </a:bodyPr>
+          <a:lstStyle/>
+          <a:p>
+            <a:r>
+              <a:rPr lang="en-GB" b="1" dirty="0"/>
+              <a:t>Generate monthly gross sales report for any customer using stored procedure</a:t>
+            </a:r>
+          </a:p>
+          <a:p>
+            <a:endParaRPr lang="en-GB" b="1" dirty="0">
+              <a:solidFill>
+                <a:schemeClr val="accent5"/>
+              </a:solidFill>
+            </a:endParaRPr>
+          </a:p>
+        </p:txBody>
+      </p:sp>
+      <p:pic>
+        <p:nvPicPr>
+          <p:cNvPr id="6" name="Picture 5">
+            <a:extLst>
+              <a:ext uri="{FF2B5EF4-FFF2-40B4-BE49-F238E27FC236}">
+                <a16:creationId xmlns:a16="http://schemas.microsoft.com/office/drawing/2014/main" id="{61834D9C-E4DF-47A3-8A42-C2E4D8B8DF3D}"/>
+              </a:ext>
+            </a:extLst>
+          </p:cNvPr>
+          <p:cNvPicPr>
+            <a:picLocks noChangeAspect="1"/>
+          </p:cNvPicPr>
+          <p:nvPr/>
+        </p:nvPicPr>
+        <p:blipFill>
+          <a:blip r:embed="rId3">
+            <a:extLst>
+              <a:ext uri="{28A0092B-C50C-407E-A947-70E740481C1C}">
+                <a14:useLocalDpi xmlns:a14="http://schemas.microsoft.com/office/drawing/2010/main" val="0"/>
+              </a:ext>
+            </a:extLst>
+          </a:blip>
+          <a:stretch>
+            <a:fillRect/>
+          </a:stretch>
+        </p:blipFill>
+        <p:spPr>
+          <a:xfrm>
+            <a:off x="976196" y="1518971"/>
+            <a:ext cx="7006661" cy="3820058"/>
+          </a:xfrm>
+          <a:prstGeom prst="rect">
+            <a:avLst/>
+          </a:prstGeom>
+        </p:spPr>
+      </p:pic>
+      <p:pic>
+        <p:nvPicPr>
+          <p:cNvPr id="8" name="Picture 7">
+            <a:extLst>
+              <a:ext uri="{FF2B5EF4-FFF2-40B4-BE49-F238E27FC236}">
+                <a16:creationId xmlns:a16="http://schemas.microsoft.com/office/drawing/2014/main" id="{FA285494-7756-409C-8553-3C9DA599C601}"/>
+              </a:ext>
+            </a:extLst>
+          </p:cNvPr>
+          <p:cNvPicPr>
+            <a:picLocks noChangeAspect="1"/>
+          </p:cNvPicPr>
+          <p:nvPr/>
+        </p:nvPicPr>
+        <p:blipFill>
+          <a:blip r:embed="rId4">
+            <a:extLst>
+              <a:ext uri="{28A0092B-C50C-407E-A947-70E740481C1C}">
+                <a14:useLocalDpi xmlns:a14="http://schemas.microsoft.com/office/drawing/2010/main" val="0"/>
+              </a:ext>
+            </a:extLst>
+          </a:blip>
+          <a:stretch>
+            <a:fillRect/>
+          </a:stretch>
+        </p:blipFill>
+        <p:spPr>
+          <a:xfrm>
+            <a:off x="1080000" y="5616052"/>
+            <a:ext cx="7916380" cy="323895"/>
+          </a:xfrm>
+          <a:prstGeom prst="rect">
+            <a:avLst/>
+          </a:prstGeom>
+        </p:spPr>
+      </p:pic>
+      <p:pic>
+        <p:nvPicPr>
+          <p:cNvPr id="9" name="Picture 8">
+            <a:extLst>
+              <a:ext uri="{FF2B5EF4-FFF2-40B4-BE49-F238E27FC236}">
+                <a16:creationId xmlns:a16="http://schemas.microsoft.com/office/drawing/2014/main" id="{7462BE8B-31BE-4C47-A9FC-42E6386A9DBB}"/>
+              </a:ext>
+            </a:extLst>
+          </p:cNvPr>
+          <p:cNvPicPr>
+            <a:picLocks noChangeAspect="1"/>
+          </p:cNvPicPr>
+          <p:nvPr/>
+        </p:nvPicPr>
+        <p:blipFill>
+          <a:blip r:embed="rId5">
+            <a:extLst>
+              <a:ext uri="{28A0092B-C50C-407E-A947-70E740481C1C}">
+                <a14:useLocalDpi xmlns:a14="http://schemas.microsoft.com/office/drawing/2010/main" val="0"/>
+              </a:ext>
+            </a:extLst>
+          </a:blip>
+          <a:stretch>
+            <a:fillRect/>
+          </a:stretch>
+        </p:blipFill>
+        <p:spPr>
+          <a:xfrm>
+            <a:off x="8892576" y="1518971"/>
+            <a:ext cx="2429214" cy="3820058"/>
+          </a:xfrm>
+          <a:prstGeom prst="rect">
+            <a:avLst/>
+          </a:prstGeom>
+        </p:spPr>
+      </p:pic>
+    </p:spTree>
+    <p:extLst>
+      <p:ext uri="{BB962C8B-B14F-4D97-AF65-F5344CB8AC3E}">
+        <p14:creationId xmlns:p14="http://schemas.microsoft.com/office/powerpoint/2010/main" val="379134283"/>
+      </p:ext>
+    </p:extLst>
+  </p:cSld>
+  <p:clrMapOvr>
+    <a:masterClrMapping/>
+  </p:clrMapOvr>
+</p:sld>
+</file>
+
+<file path=ppt/slides/slide21.xml><?xml version="1.0" encoding="utf-8"?>
+<p:sld xmlns:a="http://schemas.openxmlformats.org/drawingml/2006/main" xmlns:r="http://schemas.openxmlformats.org/officeDocument/2006/relationships" xmlns:p="http://schemas.openxmlformats.org/presentationml/2006/main">
+  <p:cSld>
+    <p:spTree>
+      <p:nvGrpSpPr>
+        <p:cNvPr id="1" name=""/>
+        <p:cNvGrpSpPr/>
+        <p:nvPr/>
+      </p:nvGrpSpPr>
+      <p:grpSpPr>
+        <a:xfrm>
+          <a:off x="0" y="0"/>
+          <a:ext cx="0" cy="0"/>
+          <a:chOff x="0" y="0"/>
+          <a:chExt cx="0" cy="0"/>
+        </a:xfrm>
+      </p:grpSpPr>
+      <p:pic>
+        <p:nvPicPr>
+          <p:cNvPr id="3" name="Picture 2">
+            <a:extLst>
+              <a:ext uri="{FF2B5EF4-FFF2-40B4-BE49-F238E27FC236}">
+                <a16:creationId xmlns:a16="http://schemas.microsoft.com/office/drawing/2014/main" id="{4E606B63-109F-48F1-85F2-496E9BF2EDE1}"/>
+              </a:ext>
+            </a:extLst>
+          </p:cNvPr>
+          <p:cNvPicPr>
+            <a:picLocks noChangeAspect="1"/>
+          </p:cNvPicPr>
+          <p:nvPr/>
+        </p:nvPicPr>
+        <p:blipFill>
+          <a:blip r:embed="rId2">
+            <a:extLst>
+              <a:ext uri="{28A0092B-C50C-407E-A947-70E740481C1C}">
+                <a14:useLocalDpi xmlns:a14="http://schemas.microsoft.com/office/drawing/2010/main" val="0"/>
+              </a:ext>
+            </a:extLst>
+          </a:blip>
+          <a:stretch>
+            <a:fillRect/>
+          </a:stretch>
+        </p:blipFill>
+        <p:spPr>
+          <a:xfrm>
+            <a:off x="0" y="0"/>
+            <a:ext cx="1080000" cy="1080000"/>
+          </a:xfrm>
+          <a:prstGeom prst="rect">
+            <a:avLst/>
+          </a:prstGeom>
+        </p:spPr>
+      </p:pic>
+      <p:sp>
+        <p:nvSpPr>
+          <p:cNvPr id="4" name="TextBox 3">
+            <a:extLst>
+              <a:ext uri="{FF2B5EF4-FFF2-40B4-BE49-F238E27FC236}">
+                <a16:creationId xmlns:a16="http://schemas.microsoft.com/office/drawing/2014/main" id="{EC90F760-FB28-46C0-BEE6-D9628C66C701}"/>
+              </a:ext>
+            </a:extLst>
+          </p:cNvPr>
+          <p:cNvSpPr txBox="1"/>
+          <p:nvPr/>
+        </p:nvSpPr>
+        <p:spPr>
+          <a:xfrm>
+            <a:off x="101600" y="6412040"/>
+            <a:ext cx="2226365" cy="369332"/>
+          </a:xfrm>
+          <a:prstGeom prst="rect">
+            <a:avLst/>
+          </a:prstGeom>
+          <a:noFill/>
+        </p:spPr>
+        <p:txBody>
+          <a:bodyPr wrap="square" rtlCol="0">
+            <a:spAutoFit/>
+          </a:bodyPr>
+          <a:lstStyle/>
+          <a:p>
+            <a:r>
+              <a:rPr lang="en-IN" b="1" dirty="0">
+                <a:latin typeface="Avenir LT Pro 65 Medium" panose="020B0603020203020204" pitchFamily="34" charset="0"/>
+              </a:rPr>
+              <a:t>AtliQ Hardwares</a:t>
+            </a:r>
+          </a:p>
+        </p:txBody>
+      </p:sp>
+      <p:sp>
+        <p:nvSpPr>
+          <p:cNvPr id="7" name="TextBox 6">
+            <a:extLst>
+              <a:ext uri="{FF2B5EF4-FFF2-40B4-BE49-F238E27FC236}">
+                <a16:creationId xmlns:a16="http://schemas.microsoft.com/office/drawing/2014/main" id="{4C602EBE-EA42-4D3F-98F7-DE5853E1388B}"/>
+              </a:ext>
+            </a:extLst>
+          </p:cNvPr>
+          <p:cNvSpPr txBox="1"/>
+          <p:nvPr/>
+        </p:nvSpPr>
+        <p:spPr>
+          <a:xfrm>
+            <a:off x="9252857" y="6457332"/>
+            <a:ext cx="3540225" cy="338554"/>
+          </a:xfrm>
+          <a:prstGeom prst="rect">
+            <a:avLst/>
+          </a:prstGeom>
+          <a:noFill/>
+        </p:spPr>
+        <p:txBody>
+          <a:bodyPr wrap="square" rtlCol="0">
+            <a:spAutoFit/>
+          </a:bodyPr>
+          <a:lstStyle/>
+          <a:p>
+            <a:r>
+              <a:rPr lang="en-IN" sz="1600" dirty="0">
+                <a:latin typeface="Avenir LT Pro 65 Medium" panose="020B0603020203020204" pitchFamily="34" charset="0"/>
+              </a:rPr>
+              <a:t>Presented by Pranoy Roy</a:t>
+            </a:r>
+          </a:p>
+        </p:txBody>
+      </p:sp>
+      <p:sp>
+        <p:nvSpPr>
+          <p:cNvPr id="12" name="TextBox 11">
+            <a:extLst>
+              <a:ext uri="{FF2B5EF4-FFF2-40B4-BE49-F238E27FC236}">
+                <a16:creationId xmlns:a16="http://schemas.microsoft.com/office/drawing/2014/main" id="{1C8F2B6D-05D6-41FE-BF97-BFFB0A8034A0}"/>
+              </a:ext>
+            </a:extLst>
+          </p:cNvPr>
+          <p:cNvSpPr txBox="1"/>
+          <p:nvPr/>
+        </p:nvSpPr>
+        <p:spPr>
+          <a:xfrm>
+            <a:off x="1214782" y="661153"/>
+            <a:ext cx="9389456" cy="369332"/>
+          </a:xfrm>
+          <a:prstGeom prst="rect">
+            <a:avLst/>
+          </a:prstGeom>
+          <a:noFill/>
+        </p:spPr>
+        <p:txBody>
+          <a:bodyPr wrap="square" rtlCol="0">
+            <a:spAutoFit/>
+          </a:bodyPr>
+          <a:lstStyle/>
+          <a:p>
+            <a:r>
+              <a:rPr lang="en-GB" b="1" dirty="0"/>
+              <a:t>Generate monthly gross sales report for any customer using stored procedure</a:t>
+            </a:r>
+          </a:p>
+        </p:txBody>
+      </p:sp>
+      <p:pic>
+        <p:nvPicPr>
+          <p:cNvPr id="5" name="Picture 4">
+            <a:extLst>
+              <a:ext uri="{FF2B5EF4-FFF2-40B4-BE49-F238E27FC236}">
+                <a16:creationId xmlns:a16="http://schemas.microsoft.com/office/drawing/2014/main" id="{F3F0FAE9-CEDD-4AE2-A67C-A10628A2AC3A}"/>
+              </a:ext>
+            </a:extLst>
+          </p:cNvPr>
+          <p:cNvPicPr>
+            <a:picLocks noChangeAspect="1"/>
+          </p:cNvPicPr>
+          <p:nvPr/>
+        </p:nvPicPr>
+        <p:blipFill>
+          <a:blip r:embed="rId3">
+            <a:extLst>
+              <a:ext uri="{28A0092B-C50C-407E-A947-70E740481C1C}">
+                <a14:useLocalDpi xmlns:a14="http://schemas.microsoft.com/office/drawing/2010/main" val="0"/>
+              </a:ext>
+            </a:extLst>
+          </a:blip>
+          <a:stretch>
+            <a:fillRect/>
+          </a:stretch>
+        </p:blipFill>
+        <p:spPr>
+          <a:xfrm>
+            <a:off x="1214782" y="1573630"/>
+            <a:ext cx="5039428" cy="3896269"/>
+          </a:xfrm>
+          <a:prstGeom prst="rect">
+            <a:avLst/>
+          </a:prstGeom>
+        </p:spPr>
+      </p:pic>
+      <p:pic>
+        <p:nvPicPr>
+          <p:cNvPr id="11" name="Picture 10">
+            <a:extLst>
+              <a:ext uri="{FF2B5EF4-FFF2-40B4-BE49-F238E27FC236}">
+                <a16:creationId xmlns:a16="http://schemas.microsoft.com/office/drawing/2014/main" id="{5F8190AC-FD26-4DE8-B64C-146C6F22ADA5}"/>
+              </a:ext>
+            </a:extLst>
+          </p:cNvPr>
+          <p:cNvPicPr>
+            <a:picLocks noChangeAspect="1"/>
+          </p:cNvPicPr>
+          <p:nvPr/>
+        </p:nvPicPr>
+        <p:blipFill>
+          <a:blip r:embed="rId4">
+            <a:extLst>
+              <a:ext uri="{28A0092B-C50C-407E-A947-70E740481C1C}">
+                <a14:useLocalDpi xmlns:a14="http://schemas.microsoft.com/office/drawing/2010/main" val="0"/>
+              </a:ext>
+            </a:extLst>
+          </a:blip>
+          <a:stretch>
+            <a:fillRect/>
+          </a:stretch>
+        </p:blipFill>
+        <p:spPr>
+          <a:xfrm>
+            <a:off x="6928432" y="2650105"/>
+            <a:ext cx="4648849" cy="1743318"/>
+          </a:xfrm>
+          <a:prstGeom prst="rect">
+            <a:avLst/>
+          </a:prstGeom>
+        </p:spPr>
+      </p:pic>
+    </p:spTree>
+    <p:extLst>
+      <p:ext uri="{BB962C8B-B14F-4D97-AF65-F5344CB8AC3E}">
+        <p14:creationId xmlns:p14="http://schemas.microsoft.com/office/powerpoint/2010/main" val="2762064623"/>
+      </p:ext>
+    </p:extLst>
+  </p:cSld>
+  <p:clrMapOvr>
+    <a:masterClrMapping/>
+  </p:clrMapOvr>
+</p:sld>
+</file>
+
+<file path=ppt/slides/slide22.xml><?xml version="1.0" encoding="utf-8"?>
+<p:sld xmlns:a="http://schemas.openxmlformats.org/drawingml/2006/main" xmlns:r="http://schemas.openxmlformats.org/officeDocument/2006/relationships" xmlns:p="http://schemas.openxmlformats.org/presentationml/2006/main">
+  <p:cSld>
+    <p:spTree>
+      <p:nvGrpSpPr>
+        <p:cNvPr id="1" name=""/>
+        <p:cNvGrpSpPr/>
+        <p:nvPr/>
+      </p:nvGrpSpPr>
+      <p:grpSpPr>
+        <a:xfrm>
+          <a:off x="0" y="0"/>
+          <a:ext cx="0" cy="0"/>
+          <a:chOff x="0" y="0"/>
+          <a:chExt cx="0" cy="0"/>
+        </a:xfrm>
+      </p:grpSpPr>
+      <p:pic>
+        <p:nvPicPr>
+          <p:cNvPr id="3" name="Picture 2">
+            <a:extLst>
+              <a:ext uri="{FF2B5EF4-FFF2-40B4-BE49-F238E27FC236}">
+                <a16:creationId xmlns:a16="http://schemas.microsoft.com/office/drawing/2014/main" id="{4E606B63-109F-48F1-85F2-496E9BF2EDE1}"/>
+              </a:ext>
+            </a:extLst>
+          </p:cNvPr>
+          <p:cNvPicPr>
+            <a:picLocks noChangeAspect="1"/>
+          </p:cNvPicPr>
+          <p:nvPr/>
+        </p:nvPicPr>
+        <p:blipFill>
+          <a:blip r:embed="rId2">
+            <a:extLst>
+              <a:ext uri="{28A0092B-C50C-407E-A947-70E740481C1C}">
+                <a14:useLocalDpi xmlns:a14="http://schemas.microsoft.com/office/drawing/2010/main" val="0"/>
+              </a:ext>
+            </a:extLst>
+          </a:blip>
+          <a:stretch>
+            <a:fillRect/>
+          </a:stretch>
+        </p:blipFill>
+        <p:spPr>
+          <a:xfrm>
+            <a:off x="0" y="0"/>
+            <a:ext cx="1080000" cy="1080000"/>
+          </a:xfrm>
+          <a:prstGeom prst="rect">
+            <a:avLst/>
+          </a:prstGeom>
+        </p:spPr>
+      </p:pic>
+      <p:sp>
+        <p:nvSpPr>
+          <p:cNvPr id="4" name="TextBox 3">
+            <a:extLst>
+              <a:ext uri="{FF2B5EF4-FFF2-40B4-BE49-F238E27FC236}">
+                <a16:creationId xmlns:a16="http://schemas.microsoft.com/office/drawing/2014/main" id="{EC90F760-FB28-46C0-BEE6-D9628C66C701}"/>
+              </a:ext>
+            </a:extLst>
+          </p:cNvPr>
+          <p:cNvSpPr txBox="1"/>
+          <p:nvPr/>
+        </p:nvSpPr>
+        <p:spPr>
+          <a:xfrm>
+            <a:off x="101600" y="6412040"/>
+            <a:ext cx="2226365" cy="369332"/>
+          </a:xfrm>
+          <a:prstGeom prst="rect">
+            <a:avLst/>
+          </a:prstGeom>
+          <a:noFill/>
+        </p:spPr>
+        <p:txBody>
+          <a:bodyPr wrap="square" rtlCol="0">
+            <a:spAutoFit/>
+          </a:bodyPr>
+          <a:lstStyle/>
+          <a:p>
+            <a:r>
+              <a:rPr lang="en-IN" b="1" dirty="0">
+                <a:latin typeface="Avenir LT Pro 65 Medium" panose="020B0603020203020204" pitchFamily="34" charset="0"/>
+              </a:rPr>
+              <a:t>AtliQ Hardwares</a:t>
+            </a:r>
+          </a:p>
+        </p:txBody>
+      </p:sp>
+      <p:sp>
+        <p:nvSpPr>
+          <p:cNvPr id="7" name="TextBox 6">
+            <a:extLst>
+              <a:ext uri="{FF2B5EF4-FFF2-40B4-BE49-F238E27FC236}">
+                <a16:creationId xmlns:a16="http://schemas.microsoft.com/office/drawing/2014/main" id="{4C602EBE-EA42-4D3F-98F7-DE5853E1388B}"/>
+              </a:ext>
+            </a:extLst>
+          </p:cNvPr>
+          <p:cNvSpPr txBox="1"/>
+          <p:nvPr/>
+        </p:nvSpPr>
+        <p:spPr>
+          <a:xfrm>
+            <a:off x="9252857" y="6457332"/>
+            <a:ext cx="3540225" cy="338554"/>
+          </a:xfrm>
+          <a:prstGeom prst="rect">
+            <a:avLst/>
+          </a:prstGeom>
+          <a:noFill/>
+        </p:spPr>
+        <p:txBody>
+          <a:bodyPr wrap="square" rtlCol="0">
+            <a:spAutoFit/>
+          </a:bodyPr>
+          <a:lstStyle/>
+          <a:p>
+            <a:r>
+              <a:rPr lang="en-IN" sz="1600" dirty="0">
+                <a:latin typeface="Avenir LT Pro 65 Medium" panose="020B0603020203020204" pitchFamily="34" charset="0"/>
+              </a:rPr>
+              <a:t>Presented by Pranoy Roy</a:t>
+            </a:r>
+          </a:p>
+        </p:txBody>
+      </p:sp>
+      <p:sp>
+        <p:nvSpPr>
+          <p:cNvPr id="2" name="TextBox 1">
+            <a:extLst>
+              <a:ext uri="{FF2B5EF4-FFF2-40B4-BE49-F238E27FC236}">
+                <a16:creationId xmlns:a16="http://schemas.microsoft.com/office/drawing/2014/main" id="{98B20CD7-C6DD-4DE9-9D10-DE089B5BEB87}"/>
+              </a:ext>
+            </a:extLst>
+          </p:cNvPr>
+          <p:cNvSpPr txBox="1"/>
+          <p:nvPr/>
+        </p:nvSpPr>
+        <p:spPr>
+          <a:xfrm>
+            <a:off x="3868057" y="2875002"/>
+            <a:ext cx="4455886" cy="1107996"/>
+          </a:xfrm>
+          <a:prstGeom prst="rect">
+            <a:avLst/>
+          </a:prstGeom>
+          <a:noFill/>
+        </p:spPr>
+        <p:txBody>
+          <a:bodyPr wrap="square" rtlCol="0">
+            <a:spAutoFit/>
+          </a:bodyPr>
+          <a:lstStyle/>
+          <a:p>
+            <a:r>
+              <a:rPr lang="en-IN" sz="6600" b="1" dirty="0">
+                <a:solidFill>
+                  <a:srgbClr val="0070C0"/>
+                </a:solidFill>
+                <a:latin typeface="Avenir LT Pro 65 Medium" panose="020B0603020203020204" pitchFamily="34" charset="0"/>
+              </a:rPr>
+              <a:t>Thank You</a:t>
+            </a:r>
+          </a:p>
+        </p:txBody>
+      </p:sp>
+    </p:spTree>
+    <p:extLst>
+      <p:ext uri="{BB962C8B-B14F-4D97-AF65-F5344CB8AC3E}">
+        <p14:creationId xmlns:p14="http://schemas.microsoft.com/office/powerpoint/2010/main" val="3218502995"/>
       </p:ext>
     </p:extLst>
   </p:cSld>
@@ -8674,12 +9605,66 @@
           <a:chExt cx="0" cy="0"/>
         </a:xfrm>
       </p:grpSpPr>
+      <p:sp>
+        <p:nvSpPr>
+          <p:cNvPr id="3" name="TextBox 2">
+            <a:extLst>
+              <a:ext uri="{FF2B5EF4-FFF2-40B4-BE49-F238E27FC236}">
+                <a16:creationId xmlns:a16="http://schemas.microsoft.com/office/drawing/2014/main" id="{D337B00C-CBFB-4BD8-5BE8-A32C351BA14E}"/>
+              </a:ext>
+            </a:extLst>
+          </p:cNvPr>
+          <p:cNvSpPr txBox="1"/>
+          <p:nvPr/>
+        </p:nvSpPr>
+        <p:spPr>
+          <a:xfrm>
+            <a:off x="1214782" y="156670"/>
+            <a:ext cx="9034687" cy="923330"/>
+          </a:xfrm>
+          <a:prstGeom prst="rect">
+            <a:avLst/>
+          </a:prstGeom>
+          <a:noFill/>
+        </p:spPr>
+        <p:txBody>
+          <a:bodyPr wrap="square">
+            <a:spAutoFit/>
+          </a:bodyPr>
+          <a:lstStyle/>
+          <a:p>
+            <a:r>
+              <a:rPr lang="en-US" sz="1800" b="1" spc="-5" dirty="0">
+                <a:solidFill>
+                  <a:schemeClr val="accent1"/>
+                </a:solidFill>
+                <a:effectLst/>
+                <a:ea typeface="Arial" panose="020B0604020202020204" pitchFamily="34" charset="0"/>
+              </a:rPr>
+              <a:t> </a:t>
+            </a:r>
+            <a:r>
+              <a:rPr lang="en-US" b="1" dirty="0"/>
+              <a:t>Follow-up: Which segment  had the  most  increase  in  unique  products  in 2021 vs 2020?          The final output contains these fields, segment</a:t>
+            </a:r>
+            <a:r>
+              <a:rPr lang="en-IN" b="1" dirty="0"/>
+              <a:t>, </a:t>
+            </a:r>
+            <a:r>
+              <a:rPr lang="en-US" b="1" dirty="0"/>
+              <a:t>product   count    2020    product_count_202I      difference.</a:t>
+            </a:r>
+            <a:endParaRPr lang="en-IN" dirty="0"/>
+          </a:p>
+        </p:txBody>
+      </p:sp>
       <p:pic>
         <p:nvPicPr>
-          <p:cNvPr id="3" name="Picture 2">
-            <a:extLst>
-              <a:ext uri="{FF2B5EF4-FFF2-40B4-BE49-F238E27FC236}">
-                <a16:creationId xmlns:a16="http://schemas.microsoft.com/office/drawing/2014/main" id="{4E606B63-109F-48F1-85F2-496E9BF2EDE1}"/>
+          <p:cNvPr id="4" name="Picture 3">
+            <a:extLst>
+              <a:ext uri="{FF2B5EF4-FFF2-40B4-BE49-F238E27FC236}">
+                <a16:creationId xmlns:a16="http://schemas.microsoft.com/office/drawing/2014/main" id="{BFF6F6F5-E876-8D97-8B23-8545D388D7DE}"/>
               </a:ext>
             </a:extLst>
           </p:cNvPr>
@@ -8712,10 +9697,10 @@
       </p:pic>
       <p:sp>
         <p:nvSpPr>
-          <p:cNvPr id="4" name="TextBox 3">
-            <a:extLst>
-              <a:ext uri="{FF2B5EF4-FFF2-40B4-BE49-F238E27FC236}">
-                <a16:creationId xmlns:a16="http://schemas.microsoft.com/office/drawing/2014/main" id="{EC90F760-FB28-46C0-BEE6-D9628C66C701}"/>
+          <p:cNvPr id="5" name="TextBox 4">
+            <a:extLst>
+              <a:ext uri="{FF2B5EF4-FFF2-40B4-BE49-F238E27FC236}">
+                <a16:creationId xmlns:a16="http://schemas.microsoft.com/office/drawing/2014/main" id="{3FC07923-9369-6089-F7F2-D55B1ED216E4}"/>
               </a:ext>
             </a:extLst>
           </p:cNvPr>
@@ -8749,10 +9734,10 @@
       </p:sp>
       <p:sp>
         <p:nvSpPr>
-          <p:cNvPr id="7" name="TextBox 6">
-            <a:extLst>
-              <a:ext uri="{FF2B5EF4-FFF2-40B4-BE49-F238E27FC236}">
-                <a16:creationId xmlns:a16="http://schemas.microsoft.com/office/drawing/2014/main" id="{4C602EBE-EA42-4D3F-98F7-DE5853E1388B}"/>
+          <p:cNvPr id="6" name="TextBox 5">
+            <a:extLst>
+              <a:ext uri="{FF2B5EF4-FFF2-40B4-BE49-F238E27FC236}">
+                <a16:creationId xmlns:a16="http://schemas.microsoft.com/office/drawing/2014/main" id="{F9855FEC-1BB6-4993-F928-A6A9A3FD62A2}"/>
               </a:ext>
             </a:extLst>
           </p:cNvPr>
@@ -8784,53 +9769,12 @@
           </a:p>
         </p:txBody>
       </p:sp>
-      <p:sp>
-        <p:nvSpPr>
-          <p:cNvPr id="12" name="TextBox 11">
-            <a:extLst>
-              <a:ext uri="{FF2B5EF4-FFF2-40B4-BE49-F238E27FC236}">
-                <a16:creationId xmlns:a16="http://schemas.microsoft.com/office/drawing/2014/main" id="{1C8F2B6D-05D6-41FE-BF97-BFFB0A8034A0}"/>
-              </a:ext>
-            </a:extLst>
-          </p:cNvPr>
-          <p:cNvSpPr txBox="1"/>
-          <p:nvPr/>
-        </p:nvSpPr>
-        <p:spPr>
-          <a:xfrm>
-            <a:off x="1401272" y="375674"/>
-            <a:ext cx="9389456" cy="646331"/>
-          </a:xfrm>
-          <a:prstGeom prst="rect">
-            <a:avLst/>
-          </a:prstGeom>
-          <a:noFill/>
-        </p:spPr>
-        <p:txBody>
-          <a:bodyPr wrap="square" rtlCol="0">
-            <a:spAutoFit/>
-          </a:bodyPr>
-          <a:lstStyle/>
-          <a:p>
-            <a:r>
-              <a:rPr lang="en-GB" b="1" dirty="0"/>
-              <a:t>Get the products The final output that have the highest and lowest manufacturing costs</a:t>
-            </a:r>
-          </a:p>
-          <a:p>
-            <a:r>
-              <a:rPr lang="en-GB" b="1" dirty="0"/>
-              <a:t>should contain these fields, product_code, product</a:t>
-            </a:r>
-          </a:p>
-        </p:txBody>
-      </p:sp>
       <p:pic>
         <p:nvPicPr>
-          <p:cNvPr id="8" name="Picture 7">
-            <a:extLst>
-              <a:ext uri="{FF2B5EF4-FFF2-40B4-BE49-F238E27FC236}">
-                <a16:creationId xmlns:a16="http://schemas.microsoft.com/office/drawing/2014/main" id="{F7F2B9CF-DFC5-40BE-966B-FFA2AD14BB83}"/>
+          <p:cNvPr id="10" name="Picture 9" descr="A graph of numbers and a bar chart&#10;&#10;Description automatically generated with medium confidence">
+            <a:extLst>
+              <a:ext uri="{FF2B5EF4-FFF2-40B4-BE49-F238E27FC236}">
+                <a16:creationId xmlns:a16="http://schemas.microsoft.com/office/drawing/2014/main" id="{E8A71186-244B-7743-EA70-DC2576E155B3}"/>
               </a:ext>
             </a:extLst>
           </p:cNvPr>
@@ -8853,44 +9797,8 @@
         </p:blipFill>
         <p:spPr>
           <a:xfrm>
-            <a:off x="6312678" y="4988351"/>
-            <a:ext cx="5096586" cy="866896"/>
-          </a:xfrm>
-          <a:prstGeom prst="rect">
-            <a:avLst/>
-          </a:prstGeom>
-        </p:spPr>
-      </p:pic>
-      <p:pic>
-        <p:nvPicPr>
-          <p:cNvPr id="6" name="Picture 5">
-            <a:extLst>
-              <a:ext uri="{FF2B5EF4-FFF2-40B4-BE49-F238E27FC236}">
-                <a16:creationId xmlns:a16="http://schemas.microsoft.com/office/drawing/2014/main" id="{F0660736-11AE-3377-8AA9-670B906004F5}"/>
-              </a:ext>
-            </a:extLst>
-          </p:cNvPr>
-          <p:cNvPicPr>
-            <a:picLocks noChangeAspect="1"/>
-          </p:cNvPicPr>
-          <p:nvPr/>
-        </p:nvPicPr>
-        <p:blipFill>
-          <a:blip r:embed="rId4">
-            <a:extLst>
-              <a:ext uri="{28A0092B-C50C-407E-A947-70E740481C1C}">
-                <a14:useLocalDpi xmlns:a14="http://schemas.microsoft.com/office/drawing/2010/main" val="0"/>
-              </a:ext>
-            </a:extLst>
-          </a:blip>
-          <a:stretch>
-            <a:fillRect/>
-          </a:stretch>
-        </p:blipFill>
-        <p:spPr>
-          <a:xfrm>
-            <a:off x="1080000" y="1624090"/>
-            <a:ext cx="9093639" cy="2909964"/>
+            <a:off x="1214783" y="1080000"/>
+            <a:ext cx="9034686" cy="5332040"/>
           </a:xfrm>
           <a:prstGeom prst="rect">
             <a:avLst/>
@@ -8900,7 +9808,7 @@
     </p:spTree>
     <p:extLst>
       <p:ext uri="{BB962C8B-B14F-4D97-AF65-F5344CB8AC3E}">
-        <p14:creationId xmlns:p14="http://schemas.microsoft.com/office/powerpoint/2010/main" val="3950097423"/>
+        <p14:creationId xmlns:p14="http://schemas.microsoft.com/office/powerpoint/2010/main" val="1574473924"/>
       </p:ext>
     </p:extLst>
   </p:cSld>
